--- a/Automatically Detecting Vulnerable Websites Before They Turn Malicious.pptx
+++ b/Automatically Detecting Vulnerable Websites Before They Turn Malicious.pptx
@@ -955,10 +955,9 @@
         <a:lstStyle/>
         <a:p>
           <a:r>
-            <a:rPr lang="en-US" dirty="0" smtClean="0"/>
+            <a:rPr lang="en-US" dirty="0"/>
             <a:t>Content Features	</a:t>
           </a:r>
-          <a:endParaRPr lang="en-US" dirty="0"/>
         </a:p>
       </dgm:t>
     </dgm:pt>
@@ -992,10 +991,9 @@
         <a:lstStyle/>
         <a:p>
           <a:r>
-            <a:rPr lang="en-US" dirty="0" smtClean="0"/>
+            <a:rPr lang="en-US" dirty="0"/>
             <a:t>Recomputed Features</a:t>
           </a:r>
-          <a:endParaRPr lang="en-US" dirty="0"/>
         </a:p>
       </dgm:t>
     </dgm:pt>
@@ -1029,10 +1027,9 @@
         <a:lstStyle/>
         <a:p>
           <a:r>
-            <a:rPr lang="en-US" dirty="0" smtClean="0"/>
+            <a:rPr lang="en-US" dirty="0"/>
             <a:t>Dynamic Features</a:t>
           </a:r>
-          <a:endParaRPr lang="en-US" dirty="0"/>
         </a:p>
       </dgm:t>
     </dgm:pt>
@@ -1074,35 +1071,14 @@
         </dgm:presLayoutVars>
       </dgm:prSet>
       <dgm:spPr/>
-      <dgm:t>
-        <a:bodyPr/>
-        <a:lstStyle/>
-        <a:p>
-          <a:endParaRPr lang="en-US"/>
-        </a:p>
-      </dgm:t>
     </dgm:pt>
     <dgm:pt modelId="{A9AA793D-EAA8-40BE-B1ED-C8B0965B70EC}" type="pres">
       <dgm:prSet presAssocID="{BDF52721-5196-4E96-B017-10B3A608D73E}" presName="sibTrans" presStyleLbl="sibTrans2D1" presStyleIdx="0" presStyleCnt="2"/>
       <dgm:spPr/>
-      <dgm:t>
-        <a:bodyPr/>
-        <a:lstStyle/>
-        <a:p>
-          <a:endParaRPr lang="en-US"/>
-        </a:p>
-      </dgm:t>
     </dgm:pt>
     <dgm:pt modelId="{7481430D-0BDB-4F3E-99A0-3C4019548216}" type="pres">
       <dgm:prSet presAssocID="{BDF52721-5196-4E96-B017-10B3A608D73E}" presName="connectorText" presStyleLbl="sibTrans2D1" presStyleIdx="0" presStyleCnt="2"/>
       <dgm:spPr/>
-      <dgm:t>
-        <a:bodyPr/>
-        <a:lstStyle/>
-        <a:p>
-          <a:endParaRPr lang="en-US"/>
-        </a:p>
-      </dgm:t>
     </dgm:pt>
     <dgm:pt modelId="{4A34A377-ACD6-4A7D-BAED-3A1CC070029B}" type="pres">
       <dgm:prSet presAssocID="{8A54366F-47F4-4EE7-8390-D43E1D17CF7C}" presName="node" presStyleLbl="node1" presStyleIdx="1" presStyleCnt="3">
@@ -1111,35 +1087,14 @@
         </dgm:presLayoutVars>
       </dgm:prSet>
       <dgm:spPr/>
-      <dgm:t>
-        <a:bodyPr/>
-        <a:lstStyle/>
-        <a:p>
-          <a:endParaRPr lang="en-US"/>
-        </a:p>
-      </dgm:t>
     </dgm:pt>
     <dgm:pt modelId="{54D88AE7-D251-4A8C-9C7D-2159FC6047C5}" type="pres">
       <dgm:prSet presAssocID="{805323B0-56D8-40EC-8DCF-3CF3FB93915F}" presName="sibTrans" presStyleLbl="sibTrans2D1" presStyleIdx="1" presStyleCnt="2"/>
       <dgm:spPr/>
-      <dgm:t>
-        <a:bodyPr/>
-        <a:lstStyle/>
-        <a:p>
-          <a:endParaRPr lang="en-US"/>
-        </a:p>
-      </dgm:t>
     </dgm:pt>
     <dgm:pt modelId="{F514ADF0-CFF3-49CC-AC06-52793E8230D2}" type="pres">
       <dgm:prSet presAssocID="{805323B0-56D8-40EC-8DCF-3CF3FB93915F}" presName="connectorText" presStyleLbl="sibTrans2D1" presStyleIdx="1" presStyleCnt="2"/>
       <dgm:spPr/>
-      <dgm:t>
-        <a:bodyPr/>
-        <a:lstStyle/>
-        <a:p>
-          <a:endParaRPr lang="en-US"/>
-        </a:p>
-      </dgm:t>
     </dgm:pt>
     <dgm:pt modelId="{7DC9395A-43F6-4DA6-9D8C-2FA6FC22CEE2}" type="pres">
       <dgm:prSet presAssocID="{D3C84DC5-0D7C-4EFB-8C13-8BF373FEAC31}" presName="node" presStyleLbl="node1" presStyleIdx="2" presStyleCnt="3">
@@ -1148,13 +1103,6 @@
         </dgm:presLayoutVars>
       </dgm:prSet>
       <dgm:spPr/>
-      <dgm:t>
-        <a:bodyPr/>
-        <a:lstStyle/>
-        <a:p>
-          <a:endParaRPr lang="en-US"/>
-        </a:p>
-      </dgm:t>
     </dgm:pt>
   </dgm:ptLst>
   <dgm:cxnLst>
@@ -1195,6 +1143,389 @@
       <dsp:cNvGrpSpPr/>
     </dsp:nvGrpSpPr>
     <dsp:grpSpPr/>
+    <dsp:sp modelId="{2A260A2F-F42F-40D0-81D5-3B52AD14A549}">
+      <dsp:nvSpPr>
+        <dsp:cNvPr id="0" name=""/>
+        <dsp:cNvSpPr/>
+      </dsp:nvSpPr>
+      <dsp:spPr>
+        <a:xfrm>
+          <a:off x="7262" y="969774"/>
+          <a:ext cx="2170617" cy="1302370"/>
+        </a:xfrm>
+        <a:prstGeom prst="roundRect">
+          <a:avLst>
+            <a:gd name="adj" fmla="val 10000"/>
+          </a:avLst>
+        </a:prstGeom>
+        <a:solidFill>
+          <a:schemeClr val="lt1">
+            <a:hueOff val="0"/>
+            <a:satOff val="0"/>
+            <a:lumOff val="0"/>
+            <a:alphaOff val="0"/>
+          </a:schemeClr>
+        </a:solidFill>
+        <a:ln w="19050" cap="flat" cmpd="sng" algn="ctr">
+          <a:solidFill>
+            <a:schemeClr val="accent6">
+              <a:shade val="80000"/>
+              <a:hueOff val="0"/>
+              <a:satOff val="0"/>
+              <a:lumOff val="0"/>
+              <a:alphaOff val="0"/>
+            </a:schemeClr>
+          </a:solidFill>
+          <a:prstDash val="solid"/>
+          <a:miter lim="800000"/>
+        </a:ln>
+        <a:effectLst/>
+      </dsp:spPr>
+      <dsp:style>
+        <a:lnRef idx="3">
+          <a:scrgbClr r="0" g="0" b="0"/>
+        </a:lnRef>
+        <a:fillRef idx="1">
+          <a:scrgbClr r="0" g="0" b="0"/>
+        </a:fillRef>
+        <a:effectRef idx="1">
+          <a:scrgbClr r="0" g="0" b="0"/>
+        </a:effectRef>
+        <a:fontRef idx="minor">
+          <a:schemeClr val="lt1"/>
+        </a:fontRef>
+      </dsp:style>
+      <dsp:txBody>
+        <a:bodyPr spcFirstLastPara="0" vert="horz" wrap="square" lIns="106680" tIns="106680" rIns="106680" bIns="106680" numCol="1" spcCol="1270" anchor="ctr" anchorCtr="0">
+          <a:noAutofit/>
+        </a:bodyPr>
+        <a:lstStyle/>
+        <a:p>
+          <a:pPr marL="0" lvl="0" indent="0" algn="ctr" defTabSz="1244600">
+            <a:lnSpc>
+              <a:spcPct val="90000"/>
+            </a:lnSpc>
+            <a:spcBef>
+              <a:spcPct val="0"/>
+            </a:spcBef>
+            <a:spcAft>
+              <a:spcPct val="35000"/>
+            </a:spcAft>
+            <a:buNone/>
+          </a:pPr>
+          <a:r>
+            <a:rPr lang="en-US" sz="2800" kern="1200" dirty="0"/>
+            <a:t>Content Features	</a:t>
+          </a:r>
+        </a:p>
+      </dsp:txBody>
+      <dsp:txXfrm>
+        <a:off x="45407" y="1007919"/>
+        <a:ext cx="2094327" cy="1226080"/>
+      </dsp:txXfrm>
+    </dsp:sp>
+    <dsp:sp modelId="{A9AA793D-EAA8-40BE-B1ED-C8B0965B70EC}">
+      <dsp:nvSpPr>
+        <dsp:cNvPr id="0" name=""/>
+        <dsp:cNvSpPr/>
+      </dsp:nvSpPr>
+      <dsp:spPr>
+        <a:xfrm>
+          <a:off x="2394941" y="1351803"/>
+          <a:ext cx="460170" cy="538313"/>
+        </a:xfrm>
+        <a:prstGeom prst="rightArrow">
+          <a:avLst>
+            <a:gd name="adj1" fmla="val 60000"/>
+            <a:gd name="adj2" fmla="val 50000"/>
+          </a:avLst>
+        </a:prstGeom>
+        <a:solidFill>
+          <a:schemeClr val="accent6">
+            <a:tint val="60000"/>
+            <a:hueOff val="0"/>
+            <a:satOff val="0"/>
+            <a:lumOff val="0"/>
+            <a:alphaOff val="0"/>
+          </a:schemeClr>
+        </a:solidFill>
+        <a:ln>
+          <a:noFill/>
+        </a:ln>
+        <a:effectLst/>
+      </dsp:spPr>
+      <dsp:style>
+        <a:lnRef idx="0">
+          <a:scrgbClr r="0" g="0" b="0"/>
+        </a:lnRef>
+        <a:fillRef idx="1">
+          <a:scrgbClr r="0" g="0" b="0"/>
+        </a:fillRef>
+        <a:effectRef idx="1">
+          <a:scrgbClr r="0" g="0" b="0"/>
+        </a:effectRef>
+        <a:fontRef idx="minor">
+          <a:schemeClr val="lt1"/>
+        </a:fontRef>
+      </dsp:style>
+      <dsp:txBody>
+        <a:bodyPr spcFirstLastPara="0" vert="horz" wrap="square" lIns="0" tIns="0" rIns="0" bIns="0" numCol="1" spcCol="1270" anchor="ctr" anchorCtr="0">
+          <a:noAutofit/>
+        </a:bodyPr>
+        <a:lstStyle/>
+        <a:p>
+          <a:pPr marL="0" lvl="0" indent="0" algn="ctr" defTabSz="977900">
+            <a:lnSpc>
+              <a:spcPct val="90000"/>
+            </a:lnSpc>
+            <a:spcBef>
+              <a:spcPct val="0"/>
+            </a:spcBef>
+            <a:spcAft>
+              <a:spcPct val="35000"/>
+            </a:spcAft>
+            <a:buNone/>
+          </a:pPr>
+          <a:endParaRPr lang="en-US" sz="2200" kern="1200"/>
+        </a:p>
+      </dsp:txBody>
+      <dsp:txXfrm>
+        <a:off x="2394941" y="1459466"/>
+        <a:ext cx="322119" cy="322987"/>
+      </dsp:txXfrm>
+    </dsp:sp>
+    <dsp:sp modelId="{4A34A377-ACD6-4A7D-BAED-3A1CC070029B}">
+      <dsp:nvSpPr>
+        <dsp:cNvPr id="0" name=""/>
+        <dsp:cNvSpPr/>
+      </dsp:nvSpPr>
+      <dsp:spPr>
+        <a:xfrm>
+          <a:off x="3046126" y="969774"/>
+          <a:ext cx="2170617" cy="1302370"/>
+        </a:xfrm>
+        <a:prstGeom prst="roundRect">
+          <a:avLst>
+            <a:gd name="adj" fmla="val 10000"/>
+          </a:avLst>
+        </a:prstGeom>
+        <a:solidFill>
+          <a:schemeClr val="lt1">
+            <a:hueOff val="0"/>
+            <a:satOff val="0"/>
+            <a:lumOff val="0"/>
+            <a:alphaOff val="0"/>
+          </a:schemeClr>
+        </a:solidFill>
+        <a:ln w="19050" cap="flat" cmpd="sng" algn="ctr">
+          <a:solidFill>
+            <a:schemeClr val="accent6">
+              <a:shade val="80000"/>
+              <a:hueOff val="0"/>
+              <a:satOff val="0"/>
+              <a:lumOff val="0"/>
+              <a:alphaOff val="0"/>
+            </a:schemeClr>
+          </a:solidFill>
+          <a:prstDash val="solid"/>
+          <a:miter lim="800000"/>
+        </a:ln>
+        <a:effectLst/>
+      </dsp:spPr>
+      <dsp:style>
+        <a:lnRef idx="3">
+          <a:scrgbClr r="0" g="0" b="0"/>
+        </a:lnRef>
+        <a:fillRef idx="1">
+          <a:scrgbClr r="0" g="0" b="0"/>
+        </a:fillRef>
+        <a:effectRef idx="1">
+          <a:scrgbClr r="0" g="0" b="0"/>
+        </a:effectRef>
+        <a:fontRef idx="minor">
+          <a:schemeClr val="lt1"/>
+        </a:fontRef>
+      </dsp:style>
+      <dsp:txBody>
+        <a:bodyPr spcFirstLastPara="0" vert="horz" wrap="square" lIns="106680" tIns="106680" rIns="106680" bIns="106680" numCol="1" spcCol="1270" anchor="ctr" anchorCtr="0">
+          <a:noAutofit/>
+        </a:bodyPr>
+        <a:lstStyle/>
+        <a:p>
+          <a:pPr marL="0" lvl="0" indent="0" algn="ctr" defTabSz="1244600">
+            <a:lnSpc>
+              <a:spcPct val="90000"/>
+            </a:lnSpc>
+            <a:spcBef>
+              <a:spcPct val="0"/>
+            </a:spcBef>
+            <a:spcAft>
+              <a:spcPct val="35000"/>
+            </a:spcAft>
+            <a:buNone/>
+          </a:pPr>
+          <a:r>
+            <a:rPr lang="en-US" sz="2800" kern="1200" dirty="0"/>
+            <a:t>Recomputed Features</a:t>
+          </a:r>
+        </a:p>
+      </dsp:txBody>
+      <dsp:txXfrm>
+        <a:off x="3084271" y="1007919"/>
+        <a:ext cx="2094327" cy="1226080"/>
+      </dsp:txXfrm>
+    </dsp:sp>
+    <dsp:sp modelId="{54D88AE7-D251-4A8C-9C7D-2159FC6047C5}">
+      <dsp:nvSpPr>
+        <dsp:cNvPr id="0" name=""/>
+        <dsp:cNvSpPr/>
+      </dsp:nvSpPr>
+      <dsp:spPr>
+        <a:xfrm>
+          <a:off x="5433805" y="1351803"/>
+          <a:ext cx="460170" cy="538313"/>
+        </a:xfrm>
+        <a:prstGeom prst="rightArrow">
+          <a:avLst>
+            <a:gd name="adj1" fmla="val 60000"/>
+            <a:gd name="adj2" fmla="val 50000"/>
+          </a:avLst>
+        </a:prstGeom>
+        <a:solidFill>
+          <a:schemeClr val="accent6">
+            <a:tint val="60000"/>
+            <a:hueOff val="0"/>
+            <a:satOff val="0"/>
+            <a:lumOff val="0"/>
+            <a:alphaOff val="0"/>
+          </a:schemeClr>
+        </a:solidFill>
+        <a:ln>
+          <a:noFill/>
+        </a:ln>
+        <a:effectLst/>
+      </dsp:spPr>
+      <dsp:style>
+        <a:lnRef idx="0">
+          <a:scrgbClr r="0" g="0" b="0"/>
+        </a:lnRef>
+        <a:fillRef idx="1">
+          <a:scrgbClr r="0" g="0" b="0"/>
+        </a:fillRef>
+        <a:effectRef idx="1">
+          <a:scrgbClr r="0" g="0" b="0"/>
+        </a:effectRef>
+        <a:fontRef idx="minor">
+          <a:schemeClr val="lt1"/>
+        </a:fontRef>
+      </dsp:style>
+      <dsp:txBody>
+        <a:bodyPr spcFirstLastPara="0" vert="horz" wrap="square" lIns="0" tIns="0" rIns="0" bIns="0" numCol="1" spcCol="1270" anchor="ctr" anchorCtr="0">
+          <a:noAutofit/>
+        </a:bodyPr>
+        <a:lstStyle/>
+        <a:p>
+          <a:pPr marL="0" lvl="0" indent="0" algn="ctr" defTabSz="977900">
+            <a:lnSpc>
+              <a:spcPct val="90000"/>
+            </a:lnSpc>
+            <a:spcBef>
+              <a:spcPct val="0"/>
+            </a:spcBef>
+            <a:spcAft>
+              <a:spcPct val="35000"/>
+            </a:spcAft>
+            <a:buNone/>
+          </a:pPr>
+          <a:endParaRPr lang="en-US" sz="2200" kern="1200"/>
+        </a:p>
+      </dsp:txBody>
+      <dsp:txXfrm>
+        <a:off x="5433805" y="1459466"/>
+        <a:ext cx="322119" cy="322987"/>
+      </dsp:txXfrm>
+    </dsp:sp>
+    <dsp:sp modelId="{7DC9395A-43F6-4DA6-9D8C-2FA6FC22CEE2}">
+      <dsp:nvSpPr>
+        <dsp:cNvPr id="0" name=""/>
+        <dsp:cNvSpPr/>
+      </dsp:nvSpPr>
+      <dsp:spPr>
+        <a:xfrm>
+          <a:off x="6084990" y="969774"/>
+          <a:ext cx="2170617" cy="1302370"/>
+        </a:xfrm>
+        <a:prstGeom prst="roundRect">
+          <a:avLst>
+            <a:gd name="adj" fmla="val 10000"/>
+          </a:avLst>
+        </a:prstGeom>
+        <a:solidFill>
+          <a:schemeClr val="lt1">
+            <a:hueOff val="0"/>
+            <a:satOff val="0"/>
+            <a:lumOff val="0"/>
+            <a:alphaOff val="0"/>
+          </a:schemeClr>
+        </a:solidFill>
+        <a:ln w="19050" cap="flat" cmpd="sng" algn="ctr">
+          <a:solidFill>
+            <a:schemeClr val="accent6">
+              <a:shade val="80000"/>
+              <a:hueOff val="0"/>
+              <a:satOff val="0"/>
+              <a:lumOff val="0"/>
+              <a:alphaOff val="0"/>
+            </a:schemeClr>
+          </a:solidFill>
+          <a:prstDash val="solid"/>
+          <a:miter lim="800000"/>
+        </a:ln>
+        <a:effectLst/>
+      </dsp:spPr>
+      <dsp:style>
+        <a:lnRef idx="3">
+          <a:scrgbClr r="0" g="0" b="0"/>
+        </a:lnRef>
+        <a:fillRef idx="1">
+          <a:scrgbClr r="0" g="0" b="0"/>
+        </a:fillRef>
+        <a:effectRef idx="1">
+          <a:scrgbClr r="0" g="0" b="0"/>
+        </a:effectRef>
+        <a:fontRef idx="minor">
+          <a:schemeClr val="lt1"/>
+        </a:fontRef>
+      </dsp:style>
+      <dsp:txBody>
+        <a:bodyPr spcFirstLastPara="0" vert="horz" wrap="square" lIns="106680" tIns="106680" rIns="106680" bIns="106680" numCol="1" spcCol="1270" anchor="ctr" anchorCtr="0">
+          <a:noAutofit/>
+        </a:bodyPr>
+        <a:lstStyle/>
+        <a:p>
+          <a:pPr marL="0" lvl="0" indent="0" algn="ctr" defTabSz="1244600">
+            <a:lnSpc>
+              <a:spcPct val="90000"/>
+            </a:lnSpc>
+            <a:spcBef>
+              <a:spcPct val="0"/>
+            </a:spcBef>
+            <a:spcAft>
+              <a:spcPct val="35000"/>
+            </a:spcAft>
+            <a:buNone/>
+          </a:pPr>
+          <a:r>
+            <a:rPr lang="en-US" sz="2800" kern="1200" dirty="0"/>
+            <a:t>Dynamic Features</a:t>
+          </a:r>
+        </a:p>
+      </dsp:txBody>
+      <dsp:txXfrm>
+        <a:off x="6123135" y="1007919"/>
+        <a:ext cx="2094327" cy="1226080"/>
+      </dsp:txXfrm>
+    </dsp:sp>
   </dsp:spTree>
 </dsp:drawing>
 </file>
@@ -2421,10 +2752,9 @@
           </a:lstStyle>
           <a:p>
             <a:r>
-              <a:rPr lang="en-US" smtClean="0"/>
+              <a:rPr lang="en-US"/>
               <a:t>Click to edit Master title style</a:t>
             </a:r>
-            <a:endParaRPr lang="en-US"/>
           </a:p>
         </p:txBody>
       </p:sp>
@@ -2486,10 +2816,9 @@
           </a:lstStyle>
           <a:p>
             <a:r>
-              <a:rPr lang="en-US" smtClean="0"/>
+              <a:rPr lang="en-US"/>
               <a:t>Click to edit Master subtitle style</a:t>
             </a:r>
-            <a:endParaRPr lang="en-US"/>
           </a:p>
         </p:txBody>
       </p:sp>
@@ -2510,7 +2839,7 @@
           <a:p>
             <a:fld id="{1E322780-E2FA-4C9E-9432-D168A7495D55}" type="datetimeFigureOut">
               <a:rPr lang="en-US" smtClean="0"/>
-              <a:t>10/8/2015</a:t>
+              <a:t>2/12/2017</a:t>
             </a:fld>
             <a:endParaRPr lang="en-US"/>
           </a:p>
@@ -2604,10 +2933,9 @@
           <a:lstStyle/>
           <a:p>
             <a:r>
-              <a:rPr lang="en-US" smtClean="0"/>
+              <a:rPr lang="en-US"/>
               <a:t>Click to edit Master title style</a:t>
             </a:r>
-            <a:endParaRPr lang="en-US"/>
           </a:p>
         </p:txBody>
       </p:sp>
@@ -2628,38 +2956,37 @@
           <a:p>
             <a:pPr lvl="0"/>
             <a:r>
-              <a:rPr lang="en-US" smtClean="0"/>
+              <a:rPr lang="en-US"/>
               <a:t>Click to edit Master text styles</a:t>
             </a:r>
           </a:p>
           <a:p>
             <a:pPr lvl="1"/>
             <a:r>
-              <a:rPr lang="en-US" smtClean="0"/>
+              <a:rPr lang="en-US"/>
               <a:t>Second level</a:t>
             </a:r>
           </a:p>
           <a:p>
             <a:pPr lvl="2"/>
             <a:r>
-              <a:rPr lang="en-US" smtClean="0"/>
+              <a:rPr lang="en-US"/>
               <a:t>Third level</a:t>
             </a:r>
           </a:p>
           <a:p>
             <a:pPr lvl="3"/>
             <a:r>
-              <a:rPr lang="en-US" smtClean="0"/>
+              <a:rPr lang="en-US"/>
               <a:t>Fourth level</a:t>
             </a:r>
           </a:p>
           <a:p>
             <a:pPr lvl="4"/>
             <a:r>
-              <a:rPr lang="en-US" smtClean="0"/>
+              <a:rPr lang="en-US"/>
               <a:t>Fifth level</a:t>
             </a:r>
-            <a:endParaRPr lang="en-US"/>
           </a:p>
         </p:txBody>
       </p:sp>
@@ -2680,7 +3007,7 @@
           <a:p>
             <a:fld id="{1E322780-E2FA-4C9E-9432-D168A7495D55}" type="datetimeFigureOut">
               <a:rPr lang="en-US" smtClean="0"/>
-              <a:t>10/8/2015</a:t>
+              <a:t>2/12/2017</a:t>
             </a:fld>
             <a:endParaRPr lang="en-US"/>
           </a:p>
@@ -2779,10 +3106,9 @@
           <a:lstStyle/>
           <a:p>
             <a:r>
-              <a:rPr lang="en-US" smtClean="0"/>
+              <a:rPr lang="en-US"/>
               <a:t>Click to edit Master title style</a:t>
             </a:r>
-            <a:endParaRPr lang="en-US"/>
           </a:p>
         </p:txBody>
       </p:sp>
@@ -2808,38 +3134,37 @@
           <a:p>
             <a:pPr lvl="0"/>
             <a:r>
-              <a:rPr lang="en-US" smtClean="0"/>
+              <a:rPr lang="en-US"/>
               <a:t>Click to edit Master text styles</a:t>
             </a:r>
           </a:p>
           <a:p>
             <a:pPr lvl="1"/>
             <a:r>
-              <a:rPr lang="en-US" smtClean="0"/>
+              <a:rPr lang="en-US"/>
               <a:t>Second level</a:t>
             </a:r>
           </a:p>
           <a:p>
             <a:pPr lvl="2"/>
             <a:r>
-              <a:rPr lang="en-US" smtClean="0"/>
+              <a:rPr lang="en-US"/>
               <a:t>Third level</a:t>
             </a:r>
           </a:p>
           <a:p>
             <a:pPr lvl="3"/>
             <a:r>
-              <a:rPr lang="en-US" smtClean="0"/>
+              <a:rPr lang="en-US"/>
               <a:t>Fourth level</a:t>
             </a:r>
           </a:p>
           <a:p>
             <a:pPr lvl="4"/>
             <a:r>
-              <a:rPr lang="en-US" smtClean="0"/>
+              <a:rPr lang="en-US"/>
               <a:t>Fifth level</a:t>
             </a:r>
-            <a:endParaRPr lang="en-US"/>
           </a:p>
         </p:txBody>
       </p:sp>
@@ -2860,7 +3185,7 @@
           <a:p>
             <a:fld id="{1E322780-E2FA-4C9E-9432-D168A7495D55}" type="datetimeFigureOut">
               <a:rPr lang="en-US" smtClean="0"/>
-              <a:t>10/8/2015</a:t>
+              <a:t>2/12/2017</a:t>
             </a:fld>
             <a:endParaRPr lang="en-US"/>
           </a:p>
@@ -2954,10 +3279,9 @@
           <a:lstStyle/>
           <a:p>
             <a:r>
-              <a:rPr lang="en-US" smtClean="0"/>
+              <a:rPr lang="en-US"/>
               <a:t>Click to edit Master title style</a:t>
             </a:r>
-            <a:endParaRPr lang="en-US"/>
           </a:p>
         </p:txBody>
       </p:sp>
@@ -2978,38 +3302,37 @@
           <a:p>
             <a:pPr lvl="0"/>
             <a:r>
-              <a:rPr lang="en-US" smtClean="0"/>
+              <a:rPr lang="en-US"/>
               <a:t>Click to edit Master text styles</a:t>
             </a:r>
           </a:p>
           <a:p>
             <a:pPr lvl="1"/>
             <a:r>
-              <a:rPr lang="en-US" smtClean="0"/>
+              <a:rPr lang="en-US"/>
               <a:t>Second level</a:t>
             </a:r>
           </a:p>
           <a:p>
             <a:pPr lvl="2"/>
             <a:r>
-              <a:rPr lang="en-US" smtClean="0"/>
+              <a:rPr lang="en-US"/>
               <a:t>Third level</a:t>
             </a:r>
           </a:p>
           <a:p>
             <a:pPr lvl="3"/>
             <a:r>
-              <a:rPr lang="en-US" smtClean="0"/>
+              <a:rPr lang="en-US"/>
               <a:t>Fourth level</a:t>
             </a:r>
           </a:p>
           <a:p>
             <a:pPr lvl="4"/>
             <a:r>
-              <a:rPr lang="en-US" smtClean="0"/>
+              <a:rPr lang="en-US"/>
               <a:t>Fifth level</a:t>
             </a:r>
-            <a:endParaRPr lang="en-US"/>
           </a:p>
         </p:txBody>
       </p:sp>
@@ -3030,7 +3353,7 @@
           <a:p>
             <a:fld id="{1E322780-E2FA-4C9E-9432-D168A7495D55}" type="datetimeFigureOut">
               <a:rPr lang="en-US" smtClean="0"/>
-              <a:t>10/8/2015</a:t>
+              <a:t>2/12/2017</a:t>
             </a:fld>
             <a:endParaRPr lang="en-US"/>
           </a:p>
@@ -3133,10 +3456,9 @@
           </a:lstStyle>
           <a:p>
             <a:r>
-              <a:rPr lang="en-US" smtClean="0"/>
+              <a:rPr lang="en-US"/>
               <a:t>Click to edit Master title style</a:t>
             </a:r>
-            <a:endParaRPr lang="en-US"/>
           </a:p>
         </p:txBody>
       </p:sp>
@@ -3253,7 +3575,7 @@
           <a:p>
             <a:pPr lvl="0"/>
             <a:r>
-              <a:rPr lang="en-US" smtClean="0"/>
+              <a:rPr lang="en-US"/>
               <a:t>Click to edit Master text styles</a:t>
             </a:r>
           </a:p>
@@ -3276,7 +3598,7 @@
           <a:p>
             <a:fld id="{1E322780-E2FA-4C9E-9432-D168A7495D55}" type="datetimeFigureOut">
               <a:rPr lang="en-US" smtClean="0"/>
-              <a:t>10/8/2015</a:t>
+              <a:t>2/12/2017</a:t>
             </a:fld>
             <a:endParaRPr lang="en-US"/>
           </a:p>
@@ -3370,10 +3692,9 @@
           <a:lstStyle/>
           <a:p>
             <a:r>
-              <a:rPr lang="en-US" smtClean="0"/>
+              <a:rPr lang="en-US"/>
               <a:t>Click to edit Master title style</a:t>
             </a:r>
-            <a:endParaRPr lang="en-US"/>
           </a:p>
         </p:txBody>
       </p:sp>
@@ -3399,38 +3720,37 @@
           <a:p>
             <a:pPr lvl="0"/>
             <a:r>
-              <a:rPr lang="en-US" smtClean="0"/>
+              <a:rPr lang="en-US"/>
               <a:t>Click to edit Master text styles</a:t>
             </a:r>
           </a:p>
           <a:p>
             <a:pPr lvl="1"/>
             <a:r>
-              <a:rPr lang="en-US" smtClean="0"/>
+              <a:rPr lang="en-US"/>
               <a:t>Second level</a:t>
             </a:r>
           </a:p>
           <a:p>
             <a:pPr lvl="2"/>
             <a:r>
-              <a:rPr lang="en-US" smtClean="0"/>
+              <a:rPr lang="en-US"/>
               <a:t>Third level</a:t>
             </a:r>
           </a:p>
           <a:p>
             <a:pPr lvl="3"/>
             <a:r>
-              <a:rPr lang="en-US" smtClean="0"/>
+              <a:rPr lang="en-US"/>
               <a:t>Fourth level</a:t>
             </a:r>
           </a:p>
           <a:p>
             <a:pPr lvl="4"/>
             <a:r>
-              <a:rPr lang="en-US" smtClean="0"/>
+              <a:rPr lang="en-US"/>
               <a:t>Fifth level</a:t>
             </a:r>
-            <a:endParaRPr lang="en-US"/>
           </a:p>
         </p:txBody>
       </p:sp>
@@ -3456,38 +3776,37 @@
           <a:p>
             <a:pPr lvl="0"/>
             <a:r>
-              <a:rPr lang="en-US" smtClean="0"/>
+              <a:rPr lang="en-US"/>
               <a:t>Click to edit Master text styles</a:t>
             </a:r>
           </a:p>
           <a:p>
             <a:pPr lvl="1"/>
             <a:r>
-              <a:rPr lang="en-US" smtClean="0"/>
+              <a:rPr lang="en-US"/>
               <a:t>Second level</a:t>
             </a:r>
           </a:p>
           <a:p>
             <a:pPr lvl="2"/>
             <a:r>
-              <a:rPr lang="en-US" smtClean="0"/>
+              <a:rPr lang="en-US"/>
               <a:t>Third level</a:t>
             </a:r>
           </a:p>
           <a:p>
             <a:pPr lvl="3"/>
             <a:r>
-              <a:rPr lang="en-US" smtClean="0"/>
+              <a:rPr lang="en-US"/>
               <a:t>Fourth level</a:t>
             </a:r>
           </a:p>
           <a:p>
             <a:pPr lvl="4"/>
             <a:r>
-              <a:rPr lang="en-US" smtClean="0"/>
+              <a:rPr lang="en-US"/>
               <a:t>Fifth level</a:t>
             </a:r>
-            <a:endParaRPr lang="en-US"/>
           </a:p>
         </p:txBody>
       </p:sp>
@@ -3508,7 +3827,7 @@
           <a:p>
             <a:fld id="{1E322780-E2FA-4C9E-9432-D168A7495D55}" type="datetimeFigureOut">
               <a:rPr lang="en-US" smtClean="0"/>
-              <a:t>10/8/2015</a:t>
+              <a:t>2/12/2017</a:t>
             </a:fld>
             <a:endParaRPr lang="en-US"/>
           </a:p>
@@ -3607,10 +3926,9 @@
           <a:lstStyle/>
           <a:p>
             <a:r>
-              <a:rPr lang="en-US" smtClean="0"/>
+              <a:rPr lang="en-US"/>
               <a:t>Click to edit Master title style</a:t>
             </a:r>
-            <a:endParaRPr lang="en-US"/>
           </a:p>
         </p:txBody>
       </p:sp>
@@ -3673,7 +3991,7 @@
           <a:p>
             <a:pPr lvl="0"/>
             <a:r>
-              <a:rPr lang="en-US" smtClean="0"/>
+              <a:rPr lang="en-US"/>
               <a:t>Click to edit Master text styles</a:t>
             </a:r>
           </a:p>
@@ -3701,38 +4019,37 @@
           <a:p>
             <a:pPr lvl="0"/>
             <a:r>
-              <a:rPr lang="en-US" smtClean="0"/>
+              <a:rPr lang="en-US"/>
               <a:t>Click to edit Master text styles</a:t>
             </a:r>
           </a:p>
           <a:p>
             <a:pPr lvl="1"/>
             <a:r>
-              <a:rPr lang="en-US" smtClean="0"/>
+              <a:rPr lang="en-US"/>
               <a:t>Second level</a:t>
             </a:r>
           </a:p>
           <a:p>
             <a:pPr lvl="2"/>
             <a:r>
-              <a:rPr lang="en-US" smtClean="0"/>
+              <a:rPr lang="en-US"/>
               <a:t>Third level</a:t>
             </a:r>
           </a:p>
           <a:p>
             <a:pPr lvl="3"/>
             <a:r>
-              <a:rPr lang="en-US" smtClean="0"/>
+              <a:rPr lang="en-US"/>
               <a:t>Fourth level</a:t>
             </a:r>
           </a:p>
           <a:p>
             <a:pPr lvl="4"/>
             <a:r>
-              <a:rPr lang="en-US" smtClean="0"/>
+              <a:rPr lang="en-US"/>
               <a:t>Fifth level</a:t>
             </a:r>
-            <a:endParaRPr lang="en-US"/>
           </a:p>
         </p:txBody>
       </p:sp>
@@ -3795,7 +4112,7 @@
           <a:p>
             <a:pPr lvl="0"/>
             <a:r>
-              <a:rPr lang="en-US" smtClean="0"/>
+              <a:rPr lang="en-US"/>
               <a:t>Click to edit Master text styles</a:t>
             </a:r>
           </a:p>
@@ -3823,38 +4140,37 @@
           <a:p>
             <a:pPr lvl="0"/>
             <a:r>
-              <a:rPr lang="en-US" smtClean="0"/>
+              <a:rPr lang="en-US"/>
               <a:t>Click to edit Master text styles</a:t>
             </a:r>
           </a:p>
           <a:p>
             <a:pPr lvl="1"/>
             <a:r>
-              <a:rPr lang="en-US" smtClean="0"/>
+              <a:rPr lang="en-US"/>
               <a:t>Second level</a:t>
             </a:r>
           </a:p>
           <a:p>
             <a:pPr lvl="2"/>
             <a:r>
-              <a:rPr lang="en-US" smtClean="0"/>
+              <a:rPr lang="en-US"/>
               <a:t>Third level</a:t>
             </a:r>
           </a:p>
           <a:p>
             <a:pPr lvl="3"/>
             <a:r>
-              <a:rPr lang="en-US" smtClean="0"/>
+              <a:rPr lang="en-US"/>
               <a:t>Fourth level</a:t>
             </a:r>
           </a:p>
           <a:p>
             <a:pPr lvl="4"/>
             <a:r>
-              <a:rPr lang="en-US" smtClean="0"/>
+              <a:rPr lang="en-US"/>
               <a:t>Fifth level</a:t>
             </a:r>
-            <a:endParaRPr lang="en-US"/>
           </a:p>
         </p:txBody>
       </p:sp>
@@ -3875,7 +4191,7 @@
           <a:p>
             <a:fld id="{1E322780-E2FA-4C9E-9432-D168A7495D55}" type="datetimeFigureOut">
               <a:rPr lang="en-US" smtClean="0"/>
-              <a:t>10/8/2015</a:t>
+              <a:t>2/12/2017</a:t>
             </a:fld>
             <a:endParaRPr lang="en-US"/>
           </a:p>
@@ -3969,10 +4285,9 @@
           <a:lstStyle/>
           <a:p>
             <a:r>
-              <a:rPr lang="en-US" smtClean="0"/>
+              <a:rPr lang="en-US"/>
               <a:t>Click to edit Master title style</a:t>
             </a:r>
-            <a:endParaRPr lang="en-US"/>
           </a:p>
         </p:txBody>
       </p:sp>
@@ -3993,7 +4308,7 @@
           <a:p>
             <a:fld id="{1E322780-E2FA-4C9E-9432-D168A7495D55}" type="datetimeFigureOut">
               <a:rPr lang="en-US" smtClean="0"/>
-              <a:t>10/8/2015</a:t>
+              <a:t>2/12/2017</a:t>
             </a:fld>
             <a:endParaRPr lang="en-US"/>
           </a:p>
@@ -4088,7 +4403,7 @@
           <a:p>
             <a:fld id="{1E322780-E2FA-4C9E-9432-D168A7495D55}" type="datetimeFigureOut">
               <a:rPr lang="en-US" smtClean="0"/>
-              <a:t>10/8/2015</a:t>
+              <a:t>2/12/2017</a:t>
             </a:fld>
             <a:endParaRPr lang="en-US"/>
           </a:p>
@@ -4191,10 +4506,9 @@
           </a:lstStyle>
           <a:p>
             <a:r>
-              <a:rPr lang="en-US" smtClean="0"/>
+              <a:rPr lang="en-US"/>
               <a:t>Click to edit Master title style</a:t>
             </a:r>
-            <a:endParaRPr lang="en-US"/>
           </a:p>
         </p:txBody>
       </p:sp>
@@ -4248,38 +4562,37 @@
           <a:p>
             <a:pPr lvl="0"/>
             <a:r>
-              <a:rPr lang="en-US" smtClean="0"/>
+              <a:rPr lang="en-US"/>
               <a:t>Click to edit Master text styles</a:t>
             </a:r>
           </a:p>
           <a:p>
             <a:pPr lvl="1"/>
             <a:r>
-              <a:rPr lang="en-US" smtClean="0"/>
+              <a:rPr lang="en-US"/>
               <a:t>Second level</a:t>
             </a:r>
           </a:p>
           <a:p>
             <a:pPr lvl="2"/>
             <a:r>
-              <a:rPr lang="en-US" smtClean="0"/>
+              <a:rPr lang="en-US"/>
               <a:t>Third level</a:t>
             </a:r>
           </a:p>
           <a:p>
             <a:pPr lvl="3"/>
             <a:r>
-              <a:rPr lang="en-US" smtClean="0"/>
+              <a:rPr lang="en-US"/>
               <a:t>Fourth level</a:t>
             </a:r>
           </a:p>
           <a:p>
             <a:pPr lvl="4"/>
             <a:r>
-              <a:rPr lang="en-US" smtClean="0"/>
+              <a:rPr lang="en-US"/>
               <a:t>Fifth level</a:t>
             </a:r>
-            <a:endParaRPr lang="en-US"/>
           </a:p>
         </p:txBody>
       </p:sp>
@@ -4342,7 +4655,7 @@
           <a:p>
             <a:pPr lvl="0"/>
             <a:r>
-              <a:rPr lang="en-US" smtClean="0"/>
+              <a:rPr lang="en-US"/>
               <a:t>Click to edit Master text styles</a:t>
             </a:r>
           </a:p>
@@ -4365,7 +4678,7 @@
           <a:p>
             <a:fld id="{1E322780-E2FA-4C9E-9432-D168A7495D55}" type="datetimeFigureOut">
               <a:rPr lang="en-US" smtClean="0"/>
-              <a:t>10/8/2015</a:t>
+              <a:t>2/12/2017</a:t>
             </a:fld>
             <a:endParaRPr lang="en-US"/>
           </a:p>
@@ -4468,10 +4781,9 @@
           </a:lstStyle>
           <a:p>
             <a:r>
-              <a:rPr lang="en-US" smtClean="0"/>
+              <a:rPr lang="en-US"/>
               <a:t>Click to edit Master title style</a:t>
             </a:r>
-            <a:endParaRPr lang="en-US"/>
           </a:p>
         </p:txBody>
       </p:sp>
@@ -4595,7 +4907,7 @@
           <a:p>
             <a:pPr lvl="0"/>
             <a:r>
-              <a:rPr lang="en-US" smtClean="0"/>
+              <a:rPr lang="en-US"/>
               <a:t>Click to edit Master text styles</a:t>
             </a:r>
           </a:p>
@@ -4618,7 +4930,7 @@
           <a:p>
             <a:fld id="{1E322780-E2FA-4C9E-9432-D168A7495D55}" type="datetimeFigureOut">
               <a:rPr lang="en-US" smtClean="0"/>
-              <a:t>10/8/2015</a:t>
+              <a:t>2/12/2017</a:t>
             </a:fld>
             <a:endParaRPr lang="en-US"/>
           </a:p>
@@ -4727,10 +5039,9 @@
           <a:lstStyle/>
           <a:p>
             <a:r>
-              <a:rPr lang="en-US" smtClean="0"/>
+              <a:rPr lang="en-US"/>
               <a:t>Click to edit Master title style</a:t>
             </a:r>
-            <a:endParaRPr lang="en-US"/>
           </a:p>
         </p:txBody>
       </p:sp>
@@ -4761,38 +5072,37 @@
           <a:p>
             <a:pPr lvl="0"/>
             <a:r>
-              <a:rPr lang="en-US" smtClean="0"/>
+              <a:rPr lang="en-US"/>
               <a:t>Click to edit Master text styles</a:t>
             </a:r>
           </a:p>
           <a:p>
             <a:pPr lvl="1"/>
             <a:r>
-              <a:rPr lang="en-US" smtClean="0"/>
+              <a:rPr lang="en-US"/>
               <a:t>Second level</a:t>
             </a:r>
           </a:p>
           <a:p>
             <a:pPr lvl="2"/>
             <a:r>
-              <a:rPr lang="en-US" smtClean="0"/>
+              <a:rPr lang="en-US"/>
               <a:t>Third level</a:t>
             </a:r>
           </a:p>
           <a:p>
             <a:pPr lvl="3"/>
             <a:r>
-              <a:rPr lang="en-US" smtClean="0"/>
+              <a:rPr lang="en-US"/>
               <a:t>Fourth level</a:t>
             </a:r>
           </a:p>
           <a:p>
             <a:pPr lvl="4"/>
             <a:r>
-              <a:rPr lang="en-US" smtClean="0"/>
+              <a:rPr lang="en-US"/>
               <a:t>Fifth level</a:t>
             </a:r>
-            <a:endParaRPr lang="en-US"/>
           </a:p>
         </p:txBody>
       </p:sp>
@@ -4831,7 +5141,7 @@
           <a:p>
             <a:fld id="{1E322780-E2FA-4C9E-9432-D168A7495D55}" type="datetimeFigureOut">
               <a:rPr lang="en-US" smtClean="0"/>
-              <a:t>10/8/2015</a:t>
+              <a:t>2/12/2017</a:t>
             </a:fld>
             <a:endParaRPr lang="en-US"/>
           </a:p>
@@ -5222,20 +5532,6 @@
 <file path=ppt/slides/slide1.xml><?xml version="1.0" encoding="utf-8"?>
 <p:sld xmlns:a="http://schemas.openxmlformats.org/drawingml/2006/main" xmlns:r="http://schemas.openxmlformats.org/officeDocument/2006/relationships" xmlns:p="http://schemas.openxmlformats.org/presentationml/2006/main">
   <p:cSld>
-    <p:bg>
-      <p:bgPr>
-        <a:blipFill dpi="0" rotWithShape="1">
-          <a:blip r:embed="rId2">
-            <a:lum/>
-          </a:blip>
-          <a:srcRect/>
-          <a:stretch>
-            <a:fillRect/>
-          </a:stretch>
-        </a:blipFill>
-        <a:effectLst/>
-      </p:bgPr>
-    </p:bg>
     <p:spTree>
       <p:nvGrpSpPr>
         <p:cNvPr id="1" name=""/>
@@ -5281,19 +5577,11 @@
             </a:br>
             <a:r>
               <a:rPr lang="en-US" sz="4000" b="1" dirty="0"/>
-              <a:t>Before They Turn </a:t>
-            </a:r>
-            <a:r>
-              <a:rPr lang="en-US" sz="4000" b="1" dirty="0" smtClean="0"/>
-              <a:t>Malicious</a:t>
+              <a:t>Before They Turn Malicious</a:t>
             </a:r>
             <a:br>
-              <a:rPr lang="en-US" sz="4000" b="1" dirty="0" smtClean="0"/>
+              <a:rPr lang="en-US" sz="4000" b="1" dirty="0"/>
             </a:br>
-            <a:r>
-              <a:rPr lang="en-US" sz="4000" b="1" dirty="0"/>
-              <a:t/>
-            </a:r>
             <a:br>
               <a:rPr lang="en-US" sz="4000" b="1" dirty="0"/>
             </a:br>
@@ -5332,10 +5620,9 @@
           <a:lstStyle/>
           <a:p>
             <a:r>
-              <a:rPr lang="en-US" dirty="0" smtClean="0"/>
+              <a:rPr lang="en-US" dirty="0"/>
               <a:t>Presented By: Kartik Khanna</a:t>
             </a:r>
-            <a:endParaRPr lang="en-US" dirty="0"/>
           </a:p>
         </p:txBody>
       </p:sp>
@@ -5349,13 +5636,6 @@
   <p:clrMapOvr>
     <a:masterClrMapping/>
   </p:clrMapOvr>
-  <p:timing>
-    <p:tnLst>
-      <p:par>
-        <p:cTn id="1" dur="indefinite" restart="never" nodeType="tmRoot"/>
-      </p:par>
-    </p:tnLst>
-  </p:timing>
 </p:sld>
 </file>
 
@@ -5401,10 +5681,34 @@
                 <a:tableStyleId>{2D5ABB26-0587-4C30-8999-92F81FD0307C}</a:tableStyleId>
               </a:tblPr>
               <a:tblGrid>
-                <a:gridCol w="2171701"/>
-                <a:gridCol w="2171701"/>
-                <a:gridCol w="2171701"/>
-                <a:gridCol w="2171701"/>
+                <a:gridCol w="2171701">
+                  <a:extLst>
+                    <a:ext uri="{9D8B030D-6E8A-4147-A177-3AD203B41FA5}">
+                      <a16:colId xmlns:a16="http://schemas.microsoft.com/office/drawing/2014/main" val="20000"/>
+                    </a:ext>
+                  </a:extLst>
+                </a:gridCol>
+                <a:gridCol w="2171701">
+                  <a:extLst>
+                    <a:ext uri="{9D8B030D-6E8A-4147-A177-3AD203B41FA5}">
+                      <a16:colId xmlns:a16="http://schemas.microsoft.com/office/drawing/2014/main" val="20001"/>
+                    </a:ext>
+                  </a:extLst>
+                </a:gridCol>
+                <a:gridCol w="2171701">
+                  <a:extLst>
+                    <a:ext uri="{9D8B030D-6E8A-4147-A177-3AD203B41FA5}">
+                      <a16:colId xmlns:a16="http://schemas.microsoft.com/office/drawing/2014/main" val="20002"/>
+                    </a:ext>
+                  </a:extLst>
+                </a:gridCol>
+                <a:gridCol w="2171701">
+                  <a:extLst>
+                    <a:ext uri="{9D8B030D-6E8A-4147-A177-3AD203B41FA5}">
+                      <a16:colId xmlns:a16="http://schemas.microsoft.com/office/drawing/2014/main" val="20003"/>
+                    </a:ext>
+                  </a:extLst>
+                </a:gridCol>
               </a:tblGrid>
               <a:tr h="822960">
                 <a:tc>
@@ -5663,6 +5967,11 @@
                     </a:solidFill>
                   </a:tcPr>
                 </a:tc>
+                <a:extLst>
+                  <a:ext uri="{0D108BD9-81ED-4DB2-BD59-A6C34878D82A}">
+                    <a16:rowId xmlns:a16="http://schemas.microsoft.com/office/drawing/2014/main" val="10000"/>
+                  </a:ext>
+                </a:extLst>
               </a:tr>
               <a:tr h="457200">
                 <a:tc>
@@ -5885,6 +6194,11 @@
                     </a:solidFill>
                   </a:tcPr>
                 </a:tc>
+                <a:extLst>
+                  <a:ext uri="{0D108BD9-81ED-4DB2-BD59-A6C34878D82A}">
+                    <a16:rowId xmlns:a16="http://schemas.microsoft.com/office/drawing/2014/main" val="10001"/>
+                  </a:ext>
+                </a:extLst>
               </a:tr>
               <a:tr h="822960">
                 <a:tc>
@@ -6125,6 +6439,11 @@
                     </a:solidFill>
                   </a:tcPr>
                 </a:tc>
+                <a:extLst>
+                  <a:ext uri="{0D108BD9-81ED-4DB2-BD59-A6C34878D82A}">
+                    <a16:rowId xmlns:a16="http://schemas.microsoft.com/office/drawing/2014/main" val="10002"/>
+                  </a:ext>
+                </a:extLst>
               </a:tr>
               <a:tr h="457200">
                 <a:tc>
@@ -6364,6 +6683,11 @@
                     </a:solidFill>
                   </a:tcPr>
                 </a:tc>
+                <a:extLst>
+                  <a:ext uri="{0D108BD9-81ED-4DB2-BD59-A6C34878D82A}">
+                    <a16:rowId xmlns:a16="http://schemas.microsoft.com/office/drawing/2014/main" val="10003"/>
+                  </a:ext>
+                </a:extLst>
               </a:tr>
             </a:tbl>
           </a:graphicData>
@@ -6435,7 +6759,7 @@
               </a:tabLst>
             </a:pPr>
             <a:r>
-              <a:rPr sz="2400" dirty="0" err="1" smtClean="0">
+              <a:rPr sz="2400" dirty="0" err="1">
                 <a:cs typeface="Calibri"/>
               </a:rPr>
               <a:t>PhishTank</a:t>
@@ -6490,16 +6814,10 @@
               </a:tabLst>
             </a:pPr>
             <a:r>
-              <a:rPr sz="2400" spc="-5" dirty="0" smtClean="0">
-                <a:cs typeface="Calibri"/>
-              </a:rPr>
-              <a:t>Search </a:t>
-            </a:r>
-            <a:r>
               <a:rPr sz="2400" spc="-5" dirty="0">
                 <a:cs typeface="Calibri"/>
               </a:rPr>
-              <a:t>Redirection: </a:t>
+              <a:t>Search Redirection: </a:t>
             </a:r>
             <a:r>
               <a:rPr sz="2400" dirty="0">
@@ -6545,7 +6863,7 @@
               </a:tabLst>
             </a:pPr>
             <a:r>
-              <a:rPr sz="2400" spc="-5" dirty="0" smtClean="0">
+              <a:rPr sz="2400" spc="-5" dirty="0">
                 <a:cs typeface="Calibri"/>
               </a:rPr>
               <a:t>Zone </a:t>
@@ -6609,10 +6927,9 @@
           <a:lstStyle/>
           <a:p>
             <a:r>
-              <a:rPr lang="en-US" sz="4400" u="sng" dirty="0" smtClean="0"/>
+              <a:rPr lang="en-US" sz="4400" u="sng" dirty="0"/>
               <a:t>DATA SETS</a:t>
             </a:r>
-            <a:endParaRPr lang="en-US" sz="4400" u="sng" dirty="0"/>
           </a:p>
         </p:txBody>
       </p:sp>
@@ -6626,13 +6943,6 @@
   <p:clrMapOvr>
     <a:masterClrMapping/>
   </p:clrMapOvr>
-  <p:timing>
-    <p:tnLst>
-      <p:par>
-        <p:cTn id="1" dur="indefinite" restart="never" nodeType="tmRoot"/>
-      </p:par>
-    </p:tnLst>
-  </p:timing>
 </p:sld>
 </file>
 
@@ -6669,10 +6979,9 @@
           <a:lstStyle/>
           <a:p>
             <a:r>
-              <a:rPr lang="en-US" b="1" u="sng" dirty="0" smtClean="0"/>
+              <a:rPr lang="en-US" b="1" u="sng" dirty="0"/>
               <a:t>FILTERING</a:t>
             </a:r>
-            <a:endParaRPr lang="en-US" b="1" u="sng" dirty="0"/>
           </a:p>
         </p:txBody>
       </p:sp>
@@ -6808,13 +7117,6 @@
   <p:clrMapOvr>
     <a:masterClrMapping/>
   </p:clrMapOvr>
-  <p:timing>
-    <p:tnLst>
-      <p:par>
-        <p:cTn id="1" dur="indefinite" restart="never" nodeType="tmRoot"/>
-      </p:par>
-    </p:tnLst>
-  </p:timing>
 </p:sld>
 </file>
 
@@ -6858,14 +7160,13 @@
           <a:lstStyle/>
           <a:p>
             <a:r>
-              <a:rPr lang="en-US" sz="2800" dirty="0" err="1" smtClean="0"/>
+              <a:rPr lang="en-US" sz="2800" dirty="0" err="1"/>
               <a:t>Complmp</a:t>
             </a:r>
             <a:r>
-              <a:rPr lang="en-US" sz="2800" dirty="0" smtClean="0"/>
+              <a:rPr lang="en-US" sz="2800" dirty="0"/>
               <a:t> &gt;0.99</a:t>
             </a:r>
-            <a:endParaRPr lang="en-US" sz="2800" dirty="0"/>
           </a:p>
         </p:txBody>
       </p:sp>
@@ -6905,13 +7206,6 @@
   <p:clrMapOvr>
     <a:masterClrMapping/>
   </p:clrMapOvr>
-  <p:timing>
-    <p:tnLst>
-      <p:par>
-        <p:cTn id="1" dur="indefinite" restart="never" nodeType="tmRoot"/>
-      </p:par>
-    </p:tnLst>
-  </p:timing>
 </p:sld>
 </file>
 
@@ -6953,10 +7247,9 @@
           <a:lstStyle/>
           <a:p>
             <a:r>
-              <a:rPr lang="en-US" b="1" u="sng" dirty="0" smtClean="0"/>
+              <a:rPr lang="en-US" b="1" u="sng" dirty="0"/>
               <a:t>FEATURE EXRTACTION</a:t>
             </a:r>
-            <a:endParaRPr lang="en-US" b="1" u="sng" dirty="0"/>
           </a:p>
         </p:txBody>
       </p:sp>
@@ -6987,17 +7280,16 @@
               <a:buChar char="q"/>
             </a:pPr>
             <a:r>
-              <a:rPr lang="en-US" u="sng" dirty="0" smtClean="0"/>
+              <a:rPr lang="en-US" u="sng" dirty="0"/>
               <a:t> AWIS Feature</a:t>
             </a:r>
-            <a:endParaRPr lang="en-US" u="sng" dirty="0"/>
           </a:p>
           <a:p>
             <a:pPr marL="0" indent="0">
               <a:buNone/>
             </a:pPr>
             <a:r>
-              <a:rPr lang="en-US" sz="2400" dirty="0" smtClean="0"/>
+              <a:rPr lang="en-US" sz="2400" dirty="0"/>
               <a:t>-It gives some features about the popularity of the website</a:t>
             </a:r>
           </a:p>
@@ -7006,7 +7298,7 @@
               <a:buNone/>
             </a:pPr>
             <a:r>
-              <a:rPr lang="en-US" sz="2400" dirty="0" smtClean="0"/>
+              <a:rPr lang="en-US" sz="2400" dirty="0"/>
               <a:t>-Why? – Attackers may target those websites to make their own malicious website in turn popular</a:t>
             </a:r>
           </a:p>
@@ -7014,23 +7306,15 @@
             <a:pPr marL="0" indent="0">
               <a:buNone/>
             </a:pPr>
-            <a:endParaRPr lang="en-US" sz="2400" dirty="0" smtClean="0"/>
+            <a:endParaRPr lang="en-US" sz="2400" dirty="0"/>
           </a:p>
           <a:p>
             <a:pPr marL="0" indent="0">
               <a:buNone/>
             </a:pPr>
             <a:r>
-              <a:rPr lang="en-US" sz="2400" dirty="0" smtClean="0"/>
-              <a:t> Dealing With </a:t>
-            </a:r>
-            <a:r>
               <a:rPr lang="en-US" sz="2400" dirty="0"/>
-              <a:t>M</a:t>
-            </a:r>
-            <a:r>
-              <a:rPr lang="en-US" sz="2400" dirty="0" smtClean="0"/>
-              <a:t>issing Value</a:t>
+              <a:t> Dealing With Missing Value</a:t>
             </a:r>
           </a:p>
           <a:p>
@@ -7038,7 +7322,7 @@
               <a:buNone/>
             </a:pPr>
             <a:r>
-              <a:rPr lang="en-US" sz="2400" dirty="0" smtClean="0"/>
+              <a:rPr lang="en-US" sz="2400" dirty="0"/>
               <a:t>-  Either give most common value</a:t>
             </a:r>
           </a:p>
@@ -7047,7 +7331,7 @@
               <a:buNone/>
             </a:pPr>
             <a:r>
-              <a:rPr lang="en-US" sz="2400" dirty="0" smtClean="0"/>
+              <a:rPr lang="en-US" sz="2400" dirty="0"/>
               <a:t> - Randomly assign some </a:t>
             </a:r>
           </a:p>
@@ -7134,13 +7418,6 @@
   <p:clrMapOvr>
     <a:masterClrMapping/>
   </p:clrMapOvr>
-  <p:timing>
-    <p:tnLst>
-      <p:par>
-        <p:cTn id="1" dur="indefinite" restart="never" nodeType="tmRoot"/>
-      </p:par>
-    </p:tnLst>
-  </p:timing>
 </p:sld>
 </file>
 
@@ -7189,19 +7466,14 @@
             </a:pPr>
             <a:r>
               <a:rPr lang="en-US" u="sng" dirty="0"/>
-              <a:t> </a:t>
-            </a:r>
-            <a:r>
-              <a:rPr lang="en-US" u="sng" dirty="0" smtClean="0"/>
-              <a:t>Content Feature </a:t>
-            </a:r>
-            <a:endParaRPr lang="en-US" u="sng" dirty="0"/>
+              <a:t> Content Feature </a:t>
+            </a:r>
           </a:p>
           <a:p>
             <a:pPr marL="0" indent="0">
               <a:buNone/>
             </a:pPr>
-            <a:endParaRPr lang="en-US" sz="800" u="sng" dirty="0" smtClean="0"/>
+            <a:endParaRPr lang="en-US" sz="800" u="sng" dirty="0"/>
           </a:p>
           <a:p>
             <a:pPr>
@@ -7210,11 +7482,7 @@
             </a:pPr>
             <a:r>
               <a:rPr lang="en-US" sz="2400" dirty="0"/>
-              <a:t> </a:t>
-            </a:r>
-            <a:r>
-              <a:rPr lang="en-US" sz="2400" dirty="0" smtClean="0"/>
-              <a:t> Parsed into set of HTML tags</a:t>
+              <a:t>  Parsed into set of HTML tags</a:t>
             </a:r>
           </a:p>
           <a:p>
@@ -7224,11 +7492,7 @@
             </a:pPr>
             <a:r>
               <a:rPr lang="en-US" sz="2400" dirty="0"/>
-              <a:t> </a:t>
-            </a:r>
-            <a:r>
-              <a:rPr lang="en-US" sz="2400" dirty="0" smtClean="0"/>
-              <a:t> The tags from all the pages in a site were then aggregated into a list without repetition</a:t>
+              <a:t>  The tags from all the pages in a site were then aggregated into a list without repetition</a:t>
             </a:r>
           </a:p>
           <a:p>
@@ -7237,14 +7501,9 @@
               <a:buChar char="§"/>
             </a:pPr>
             <a:r>
-              <a:rPr lang="en-US" sz="2400" dirty="0" smtClean="0"/>
-              <a:t>  Count a particular tag from both positive and negative </a:t>
-            </a:r>
-            <a:r>
-              <a:rPr lang="en-US" sz="2400" dirty="0" smtClean="0"/>
-              <a:t>sites</a:t>
-            </a:r>
-            <a:endParaRPr lang="en-US" sz="2400" dirty="0" smtClean="0"/>
+              <a:rPr lang="en-US" sz="2400" dirty="0"/>
+              <a:t>  Count a particular tag from both positive and negative sites</a:t>
+            </a:r>
           </a:p>
           <a:p>
             <a:pPr>
@@ -7253,11 +7512,7 @@
             </a:pPr>
             <a:r>
               <a:rPr lang="en-US" sz="2400" dirty="0"/>
-              <a:t> </a:t>
-            </a:r>
-            <a:r>
-              <a:rPr lang="en-US" sz="2400" dirty="0" smtClean="0"/>
-              <a:t>After adding information from every 5,000 sites to the dictionary, we purged from the dictionary all tags that had appeared only once</a:t>
+              <a:t> After adding information from every 5,000 sites to the dictionary, we purged from the dictionary all tags that had appeared only once</a:t>
             </a:r>
           </a:p>
           <a:p>
@@ -7270,7 +7525,7 @@
             <a:pPr marL="0" indent="0">
               <a:buNone/>
             </a:pPr>
-            <a:endParaRPr lang="en-US" dirty="0" smtClean="0"/>
+            <a:endParaRPr lang="en-US" dirty="0"/>
           </a:p>
         </p:txBody>
       </p:sp>
@@ -7320,10 +7575,9 @@
           <a:lstStyle/>
           <a:p>
             <a:r>
-              <a:rPr lang="en-US" dirty="0" smtClean="0"/>
+              <a:rPr lang="en-US" dirty="0"/>
               <a:t>where B and M are the set of benign, and malicious websites, respectively; the notation x -&gt; w means that the tag x is present in the tag dictionary associated with website w</a:t>
             </a:r>
-            <a:endParaRPr lang="en-US" dirty="0"/>
           </a:p>
         </p:txBody>
       </p:sp>
@@ -7350,10 +7604,9 @@
           <a:lstStyle/>
           <a:p>
             <a:r>
-              <a:rPr lang="en-US" sz="1600" dirty="0" smtClean="0"/>
+              <a:rPr lang="en-US" sz="1600" dirty="0"/>
               <a:t>Accuracy Balanced Statistic</a:t>
             </a:r>
-            <a:endParaRPr lang="en-US" sz="1600" dirty="0"/>
           </a:p>
         </p:txBody>
       </p:sp>
@@ -7367,13 +7620,6 @@
   <p:clrMapOvr>
     <a:masterClrMapping/>
   </p:clrMapOvr>
-  <p:timing>
-    <p:tnLst>
-      <p:par>
-        <p:cTn id="1" dur="indefinite" restart="never" nodeType="tmRoot"/>
-      </p:par>
-    </p:tnLst>
-  </p:timing>
 </p:sld>
 </file>
 
@@ -7463,8 +7709,20 @@
                 <a:tableStyleId>{2D5ABB26-0587-4C30-8999-92F81FD0307C}</a:tableStyleId>
               </a:tblPr>
               <a:tblGrid>
-                <a:gridCol w="4343402"/>
-                <a:gridCol w="4343402"/>
+                <a:gridCol w="4343402">
+                  <a:extLst>
+                    <a:ext uri="{9D8B030D-6E8A-4147-A177-3AD203B41FA5}">
+                      <a16:colId xmlns:a16="http://schemas.microsoft.com/office/drawing/2014/main" val="20000"/>
+                    </a:ext>
+                  </a:extLst>
+                </a:gridCol>
+                <a:gridCol w="4343402">
+                  <a:extLst>
+                    <a:ext uri="{9D8B030D-6E8A-4147-A177-3AD203B41FA5}">
+                      <a16:colId xmlns:a16="http://schemas.microsoft.com/office/drawing/2014/main" val="20001"/>
+                    </a:ext>
+                  </a:extLst>
+                </a:gridCol>
               </a:tblGrid>
               <a:tr h="370840">
                 <a:tc>
@@ -7605,6 +7863,11 @@
                     </a:solidFill>
                   </a:tcPr>
                 </a:tc>
+                <a:extLst>
+                  <a:ext uri="{0D108BD9-81ED-4DB2-BD59-A6C34878D82A}">
+                    <a16:rowId xmlns:a16="http://schemas.microsoft.com/office/drawing/2014/main" val="10000"/>
+                  </a:ext>
+                </a:extLst>
               </a:tr>
               <a:tr h="640080">
                 <a:tc>
@@ -7733,6 +7996,11 @@
                     </a:solidFill>
                   </a:tcPr>
                 </a:tc>
+                <a:extLst>
+                  <a:ext uri="{0D108BD9-81ED-4DB2-BD59-A6C34878D82A}">
+                    <a16:rowId xmlns:a16="http://schemas.microsoft.com/office/drawing/2014/main" val="10001"/>
+                  </a:ext>
+                </a:extLst>
               </a:tr>
               <a:tr h="370840">
                 <a:tc>
@@ -7868,6 +8136,11 @@
                     </a:solidFill>
                   </a:tcPr>
                 </a:tc>
+                <a:extLst>
+                  <a:ext uri="{0D108BD9-81ED-4DB2-BD59-A6C34878D82A}">
+                    <a16:rowId xmlns:a16="http://schemas.microsoft.com/office/drawing/2014/main" val="10002"/>
+                  </a:ext>
+                </a:extLst>
               </a:tr>
               <a:tr h="370840">
                 <a:tc>
@@ -8003,6 +8276,11 @@
                     </a:solidFill>
                   </a:tcPr>
                 </a:tc>
+                <a:extLst>
+                  <a:ext uri="{0D108BD9-81ED-4DB2-BD59-A6C34878D82A}">
+                    <a16:rowId xmlns:a16="http://schemas.microsoft.com/office/drawing/2014/main" val="10003"/>
+                  </a:ext>
+                </a:extLst>
               </a:tr>
               <a:tr h="640080">
                 <a:tc>
@@ -8131,6 +8409,11 @@
                     </a:solidFill>
                   </a:tcPr>
                 </a:tc>
+                <a:extLst>
+                  <a:ext uri="{0D108BD9-81ED-4DB2-BD59-A6C34878D82A}">
+                    <a16:rowId xmlns:a16="http://schemas.microsoft.com/office/drawing/2014/main" val="10004"/>
+                  </a:ext>
+                </a:extLst>
               </a:tr>
               <a:tr h="370840">
                 <a:tc>
@@ -8266,6 +8549,11 @@
                     </a:solidFill>
                   </a:tcPr>
                 </a:tc>
+                <a:extLst>
+                  <a:ext uri="{0D108BD9-81ED-4DB2-BD59-A6C34878D82A}">
+                    <a16:rowId xmlns:a16="http://schemas.microsoft.com/office/drawing/2014/main" val="10005"/>
+                  </a:ext>
+                </a:extLst>
               </a:tr>
               <a:tr h="370840">
                 <a:tc>
@@ -8394,6 +8682,11 @@
                     </a:solidFill>
                   </a:tcPr>
                 </a:tc>
+                <a:extLst>
+                  <a:ext uri="{0D108BD9-81ED-4DB2-BD59-A6C34878D82A}">
+                    <a16:rowId xmlns:a16="http://schemas.microsoft.com/office/drawing/2014/main" val="10006"/>
+                  </a:ext>
+                </a:extLst>
               </a:tr>
               <a:tr h="640080">
                 <a:tc>
@@ -8508,6 +8801,11 @@
                     </a:solidFill>
                   </a:tcPr>
                 </a:tc>
+                <a:extLst>
+                  <a:ext uri="{0D108BD9-81ED-4DB2-BD59-A6C34878D82A}">
+                    <a16:rowId xmlns:a16="http://schemas.microsoft.com/office/drawing/2014/main" val="10007"/>
+                  </a:ext>
+                </a:extLst>
               </a:tr>
               <a:tr h="370840">
                 <a:tc>
@@ -8636,6 +8934,11 @@
                     </a:solidFill>
                   </a:tcPr>
                 </a:tc>
+                <a:extLst>
+                  <a:ext uri="{0D108BD9-81ED-4DB2-BD59-A6C34878D82A}">
+                    <a16:rowId xmlns:a16="http://schemas.microsoft.com/office/drawing/2014/main" val="10008"/>
+                  </a:ext>
+                </a:extLst>
               </a:tr>
             </a:tbl>
           </a:graphicData>
@@ -8651,13 +8954,6 @@
   <p:clrMapOvr>
     <a:masterClrMapping/>
   </p:clrMapOvr>
-  <p:timing>
-    <p:tnLst>
-      <p:par>
-        <p:cTn id="1" dur="indefinite" restart="never" nodeType="tmRoot"/>
-      </p:par>
-    </p:tnLst>
-  </p:timing>
 </p:sld>
 </file>
 
@@ -8794,7 +9090,7 @@
           <a:lstStyle/>
           <a:p>
             <a:r>
-              <a:rPr lang="en-US" sz="4400" b="1" u="sng" dirty="0" smtClean="0"/>
+              <a:rPr lang="en-US" sz="4400" b="1" u="sng" dirty="0"/>
               <a:t>Results</a:t>
             </a:r>
           </a:p>
@@ -8803,10 +9099,9 @@
           </a:p>
           <a:p>
             <a:r>
-              <a:rPr lang="en-US" sz="2000" b="1" u="sng" dirty="0" smtClean="0"/>
+              <a:rPr lang="en-US" sz="2000" b="1" u="sng" dirty="0"/>
               <a:t>1. Dynamic Features</a:t>
             </a:r>
-            <a:endParaRPr lang="en-US" sz="2000" b="1" u="sng" dirty="0"/>
           </a:p>
         </p:txBody>
       </p:sp>
@@ -8833,30 +9128,21 @@
           <a:lstStyle/>
           <a:p>
             <a:r>
-              <a:rPr lang="en-US" sz="2800" spc="-300" dirty="0" smtClean="0"/>
+              <a:rPr lang="en-US" sz="2800" spc="-300" dirty="0"/>
               <a:t>V</a:t>
             </a:r>
             <a:r>
-              <a:rPr lang="en-US" sz="2800" dirty="0" smtClean="0"/>
+              <a:rPr lang="en-US" sz="2800" dirty="0"/>
               <a:t>arying </a:t>
             </a:r>
             <a:r>
-              <a:rPr lang="en-US" sz="2800" spc="-5" dirty="0" smtClean="0"/>
+              <a:rPr lang="en-US" sz="2800" spc="-5" dirty="0"/>
               <a:t>W</a:t>
             </a:r>
             <a:r>
-              <a:rPr lang="en-US" sz="2800" dirty="0" smtClean="0"/>
-              <a:t>indow</a:t>
-            </a:r>
-            <a:r>
               <a:rPr lang="en-US" sz="2800" dirty="0"/>
-              <a:t> </a:t>
-            </a:r>
-            <a:r>
-              <a:rPr lang="en-US" sz="2800" dirty="0" smtClean="0"/>
-              <a:t>Sizes</a:t>
-            </a:r>
-            <a:endParaRPr lang="en-US" sz="2800" dirty="0"/>
+              <a:t>indow Sizes</a:t>
+            </a:r>
           </a:p>
         </p:txBody>
       </p:sp>
@@ -8870,13 +9156,6 @@
   <p:clrMapOvr>
     <a:masterClrMapping/>
   </p:clrMapOvr>
-  <p:timing>
-    <p:tnLst>
-      <p:par>
-        <p:cTn id="1" dur="indefinite" restart="never" nodeType="tmRoot"/>
-      </p:par>
-    </p:tnLst>
-  </p:timing>
 </p:sld>
 </file>
 
@@ -8931,18 +9210,17 @@
               </a:tabLst>
             </a:pPr>
             <a:r>
-              <a:rPr sz="2800" b="1" dirty="0" smtClean="0"/>
+              <a:rPr sz="2800" b="1" dirty="0"/>
               <a:t>CMS</a:t>
             </a:r>
             <a:r>
-              <a:rPr lang="en-US" sz="2800" b="1" dirty="0" smtClean="0"/>
+              <a:rPr lang="en-US" sz="2800" b="1" dirty="0"/>
               <a:t> </a:t>
             </a:r>
             <a:r>
-              <a:rPr sz="2800" b="1" spc="-5" dirty="0" smtClean="0"/>
+              <a:rPr sz="2800" b="1" spc="-5" dirty="0"/>
               <a:t>Evolution</a:t>
             </a:r>
-            <a:endParaRPr sz="2800" b="1" spc="-5" dirty="0"/>
           </a:p>
         </p:txBody>
       </p:sp>
@@ -9887,13 +10165,6 @@
   <p:clrMapOvr>
     <a:masterClrMapping/>
   </p:clrMapOvr>
-  <p:timing>
-    <p:tnLst>
-      <p:par>
-        <p:cTn id="1" dur="indefinite" restart="never" nodeType="tmRoot"/>
-      </p:par>
-    </p:tnLst>
-  </p:timing>
 </p:sld>
 </file>
 
@@ -10406,10 +10677,9 @@
           <a:lstStyle/>
           <a:p>
             <a:r>
-              <a:rPr lang="en-US" sz="2800" dirty="0" smtClean="0"/>
+              <a:rPr lang="en-US" sz="2800" dirty="0"/>
               <a:t>Benign Website</a:t>
             </a:r>
-            <a:endParaRPr lang="en-US" sz="2800" dirty="0"/>
           </a:p>
         </p:txBody>
       </p:sp>
@@ -10423,13 +10693,6 @@
   <p:clrMapOvr>
     <a:masterClrMapping/>
   </p:clrMapOvr>
-  <p:timing>
-    <p:tnLst>
-      <p:par>
-        <p:cTn id="1" dur="indefinite" restart="never" nodeType="tmRoot"/>
-      </p:par>
-    </p:tnLst>
-  </p:timing>
 </p:sld>
 </file>
 
@@ -10466,10 +10729,9 @@
           <a:lstStyle/>
           <a:p>
             <a:r>
-              <a:rPr lang="en-US" b="1" u="sng" dirty="0" smtClean="0"/>
+              <a:rPr lang="en-US" b="1" u="sng" dirty="0"/>
               <a:t>CLASSIFICATION</a:t>
             </a:r>
-            <a:endParaRPr lang="en-US" b="1" u="sng" dirty="0"/>
           </a:p>
         </p:txBody>
       </p:sp>
@@ -10547,11 +10809,11 @@
               </a:spcAft>
             </a:pPr>
             <a:r>
-              <a:rPr lang="en-US" sz="2800" smtClean="0"/>
+              <a:rPr lang="en-US" sz="2800"/>
               <a:t>Input </a:t>
             </a:r>
             <a:r>
-              <a:rPr lang="en-US" sz="2800" kern="1200" smtClean="0"/>
+              <a:rPr lang="en-US" sz="2800" kern="1200"/>
               <a:t>(websites)	</a:t>
             </a:r>
             <a:endParaRPr lang="en-US" sz="2800" kern="1200" dirty="0"/>
@@ -10694,13 +10956,6 @@
   <p:clrMapOvr>
     <a:masterClrMapping/>
   </p:clrMapOvr>
-  <p:timing>
-    <p:tnLst>
-      <p:par>
-        <p:cTn id="1" dur="indefinite" restart="never" nodeType="tmRoot"/>
-      </p:par>
-    </p:tnLst>
-  </p:timing>
 </p:sld>
 </file>
 
@@ -10744,10 +10999,9 @@
           <a:lstStyle/>
           <a:p>
             <a:r>
-              <a:rPr lang="en-US" sz="4000" b="1" u="sng" dirty="0" smtClean="0"/>
+              <a:rPr lang="en-US" sz="4000" b="1" u="sng" dirty="0"/>
               <a:t>ABSTRACT</a:t>
             </a:r>
-            <a:endParaRPr lang="en-US" sz="4000" b="1" u="sng" dirty="0"/>
           </a:p>
         </p:txBody>
       </p:sp>
@@ -10775,7 +11029,7 @@
           <a:p>
             <a:pPr algn="l"/>
             <a:r>
-              <a:rPr lang="en-US" dirty="0" smtClean="0"/>
+              <a:rPr lang="en-US" dirty="0"/>
               <a:t>In this paper, we take a complementary approach, and attempt to design, implement, and evaluate a novel classification system which predicts, whether a given, not yet compromised website will become malicious in the future</a:t>
             </a:r>
           </a:p>
@@ -10786,7 +11040,7 @@
           <a:p>
             <a:pPr algn="l"/>
             <a:r>
-              <a:rPr lang="en-US" dirty="0" smtClean="0"/>
+              <a:rPr lang="en-US" dirty="0"/>
               <a:t>Techniques Used:</a:t>
             </a:r>
           </a:p>
@@ -10795,7 +11049,7 @@
               <a:buAutoNum type="arabicPeriod"/>
             </a:pPr>
             <a:r>
-              <a:rPr lang="en-US" dirty="0" smtClean="0"/>
+              <a:rPr lang="en-US" dirty="0"/>
               <a:t>Data Mining</a:t>
             </a:r>
           </a:p>
@@ -10804,7 +11058,7 @@
               <a:buAutoNum type="arabicPeriod"/>
             </a:pPr>
             <a:r>
-              <a:rPr lang="en-US" dirty="0" smtClean="0"/>
+              <a:rPr lang="en-US" dirty="0"/>
               <a:t>Machine Learning</a:t>
             </a:r>
           </a:p>
@@ -10850,13 +11104,6 @@
   <p:clrMapOvr>
     <a:masterClrMapping/>
   </p:clrMapOvr>
-  <p:timing>
-    <p:tnLst>
-      <p:par>
-        <p:cTn id="1" dur="indefinite" restart="never" nodeType="tmRoot"/>
-      </p:par>
-    </p:tnLst>
-  </p:timing>
 </p:sld>
 </file>
 
@@ -11190,10 +11437,9 @@
           <a:lstStyle/>
           <a:p>
             <a:r>
-              <a:rPr lang="en-US" sz="2400" b="1" u="sng" dirty="0" smtClean="0"/>
+              <a:rPr lang="en-US" sz="2400" b="1" u="sng" dirty="0"/>
               <a:t>2. Classification Results</a:t>
             </a:r>
-            <a:endParaRPr lang="en-US" sz="2400" b="1" u="sng" dirty="0"/>
           </a:p>
         </p:txBody>
       </p:sp>
@@ -11207,13 +11453,6 @@
   <p:clrMapOvr>
     <a:masterClrMapping/>
   </p:clrMapOvr>
-  <p:timing>
-    <p:tnLst>
-      <p:par>
-        <p:cTn id="1" dur="indefinite" restart="never" nodeType="tmRoot"/>
-      </p:par>
-    </p:tnLst>
-  </p:timing>
 </p:sld>
 </file>
 
@@ -11265,7 +11504,7 @@
               </a:lnSpc>
             </a:pPr>
             <a:r>
-              <a:rPr lang="en-US" b="1" u="sng" dirty="0" smtClean="0"/>
+              <a:rPr lang="en-US" b="1" u="sng" dirty="0"/>
               <a:t>LIMITATIONS</a:t>
             </a:r>
             <a:endParaRPr b="1" u="sng" dirty="0"/>
@@ -11304,16 +11543,10 @@
               </a:tabLst>
             </a:pPr>
             <a:r>
-              <a:rPr sz="2400" dirty="0" smtClean="0">
-                <a:cs typeface="Calibri"/>
-              </a:rPr>
-              <a:t>Only </a:t>
-            </a:r>
-            <a:r>
               <a:rPr sz="2400" dirty="0">
                 <a:cs typeface="Calibri"/>
               </a:rPr>
-              <a:t>makes sense </a:t>
+              <a:t>Only makes sense </a:t>
             </a:r>
             <a:r>
               <a:rPr sz="2400" spc="-5" dirty="0">
@@ -11376,7 +11609,7 @@
               <a:t> </a:t>
             </a:r>
             <a:r>
-              <a:rPr sz="2400" dirty="0" smtClean="0">
+              <a:rPr sz="2400" dirty="0">
                 <a:cs typeface="Calibri"/>
               </a:rPr>
               <a:t>malice</a:t>
@@ -11398,55 +11631,55 @@
               </a:tabLst>
             </a:pPr>
             <a:r>
-              <a:rPr sz="2400" dirty="0" smtClean="0">
+              <a:rPr sz="2400" dirty="0">
                 <a:cs typeface="Calibri"/>
               </a:rPr>
               <a:t>Sites hacked via </a:t>
             </a:r>
             <a:r>
-              <a:rPr sz="2400" spc="-5" dirty="0" smtClean="0">
+              <a:rPr sz="2400" spc="-5" dirty="0">
                 <a:cs typeface="Calibri"/>
               </a:rPr>
               <a:t>weak passwords or </a:t>
             </a:r>
             <a:r>
-              <a:rPr sz="2400" dirty="0" smtClean="0">
+              <a:rPr sz="2400" dirty="0">
                 <a:cs typeface="Calibri"/>
               </a:rPr>
               <a:t>via </a:t>
             </a:r>
             <a:r>
-              <a:rPr sz="2400" spc="-5" dirty="0" smtClean="0">
+              <a:rPr sz="2400" spc="-5" dirty="0">
                 <a:cs typeface="Calibri"/>
               </a:rPr>
               <a:t>social  </a:t>
             </a:r>
             <a:r>
-              <a:rPr sz="2400" dirty="0" smtClean="0">
+              <a:rPr sz="2400" dirty="0">
                 <a:cs typeface="Calibri"/>
               </a:rPr>
               <a:t>engineering </a:t>
             </a:r>
             <a:r>
-              <a:rPr sz="2400" spc="-15" dirty="0" smtClean="0">
+              <a:rPr sz="2400" spc="-15" dirty="0">
                 <a:cs typeface="Calibri"/>
               </a:rPr>
               <a:t>attacks </a:t>
             </a:r>
             <a:r>
-              <a:rPr sz="2400" spc="-5" dirty="0" smtClean="0">
+              <a:rPr sz="2400" spc="-5" dirty="0">
                 <a:cs typeface="Calibri"/>
               </a:rPr>
               <a:t>violate</a:t>
             </a:r>
             <a:r>
-              <a:rPr sz="2400" spc="-50" dirty="0" smtClean="0">
+              <a:rPr sz="2400" spc="-50" dirty="0">
                 <a:cs typeface="Calibri"/>
               </a:rPr>
               <a:t> </a:t>
             </a:r>
             <a:r>
-              <a:rPr sz="2400" dirty="0" smtClean="0">
+              <a:rPr sz="2400" dirty="0">
                 <a:cs typeface="Calibri"/>
               </a:rPr>
               <a:t>this</a:t>
@@ -11465,16 +11698,10 @@
               </a:tabLst>
             </a:pPr>
             <a:r>
-              <a:rPr sz="2400" dirty="0" smtClean="0">
-                <a:cs typeface="Calibri"/>
-              </a:rPr>
-              <a:t>Sites </a:t>
-            </a:r>
-            <a:r>
               <a:rPr sz="2400" dirty="0">
                 <a:cs typeface="Calibri"/>
               </a:rPr>
-              <a:t>that are </a:t>
+              <a:t>Sites that are </a:t>
             </a:r>
             <a:r>
               <a:rPr sz="2400" spc="-5" dirty="0">
@@ -11526,16 +11753,10 @@
               </a:tabLst>
             </a:pPr>
             <a:r>
-              <a:rPr sz="2400" spc="-5" dirty="0" smtClean="0">
-                <a:cs typeface="Calibri"/>
-              </a:rPr>
-              <a:t>Requires </a:t>
-            </a:r>
-            <a:r>
               <a:rPr sz="2400" spc="-5" dirty="0">
                 <a:cs typeface="Calibri"/>
               </a:rPr>
-              <a:t>some </a:t>
+              <a:t>Requires some </a:t>
             </a:r>
             <a:r>
               <a:rPr sz="2400" dirty="0">
@@ -11607,13 +11828,6 @@
   <p:clrMapOvr>
     <a:masterClrMapping/>
   </p:clrMapOvr>
-  <p:timing>
-    <p:tnLst>
-      <p:par>
-        <p:cTn id="1" dur="indefinite" restart="never" nodeType="tmRoot"/>
-      </p:par>
-    </p:tnLst>
-  </p:timing>
 </p:sld>
 </file>
 
@@ -11646,8 +11860,8 @@
         </p:nvSpPr>
         <p:spPr>
           <a:xfrm>
-            <a:off x="3391930" y="1378379"/>
-            <a:ext cx="10515600" cy="1325563"/>
+            <a:off x="4279825" y="2544570"/>
+            <a:ext cx="4479861" cy="1325563"/>
           </a:xfrm>
         </p:spPr>
         <p:txBody>
@@ -11655,16 +11869,12 @@
           <a:lstStyle/>
           <a:p>
             <a:r>
-              <a:rPr lang="en-US" dirty="0" smtClean="0">
+              <a:rPr lang="en-US" dirty="0">
                 <a:latin typeface="Times New Roman" panose="02020603050405020304" pitchFamily="18" charset="0"/>
                 <a:cs typeface="Times New Roman" panose="02020603050405020304" pitchFamily="18" charset="0"/>
               </a:rPr>
               <a:t>THANK YOU</a:t>
             </a:r>
-            <a:endParaRPr lang="en-US" dirty="0">
-              <a:latin typeface="Times New Roman" panose="02020603050405020304" pitchFamily="18" charset="0"/>
-              <a:cs typeface="Times New Roman" panose="02020603050405020304" pitchFamily="18" charset="0"/>
-            </a:endParaRPr>
           </a:p>
         </p:txBody>
       </p:sp>
@@ -11678,13 +11888,6 @@
   <p:clrMapOvr>
     <a:masterClrMapping/>
   </p:clrMapOvr>
-  <p:timing>
-    <p:tnLst>
-      <p:par>
-        <p:cTn id="1" dur="indefinite" restart="never" nodeType="tmRoot"/>
-      </p:par>
-    </p:tnLst>
-  </p:timing>
 </p:sld>
 </file>
 
@@ -11726,10 +11929,9 @@
           <a:lstStyle/>
           <a:p>
             <a:r>
-              <a:rPr lang="en-US" b="1" u="sng" dirty="0" smtClean="0"/>
+              <a:rPr lang="en-US" b="1" u="sng" dirty="0"/>
               <a:t>SOME DEFINITION</a:t>
             </a:r>
-            <a:endParaRPr lang="en-US" b="1" u="sng" dirty="0"/>
           </a:p>
         </p:txBody>
       </p:sp>
@@ -11760,48 +11962,8 @@
               <a:buChar char="q"/>
             </a:pPr>
             <a:r>
-              <a:rPr lang="en-US" sz="2400" dirty="0" smtClean="0"/>
-              <a:t> Content Management System- It is a </a:t>
-            </a:r>
-            <a:r>
               <a:rPr lang="en-US" sz="2400" dirty="0"/>
-              <a:t>bundled or stand-alone application </a:t>
-            </a:r>
-            <a:r>
-              <a:rPr lang="en-US" sz="2400" dirty="0" smtClean="0"/>
-              <a:t>to   create</a:t>
-            </a:r>
-            <a:r>
-              <a:rPr lang="en-US" sz="2400" dirty="0"/>
-              <a:t>, </a:t>
-            </a:r>
-            <a:r>
-              <a:rPr lang="en-US" sz="2400" dirty="0" smtClean="0"/>
-              <a:t>   				       deploy</a:t>
-            </a:r>
-            <a:r>
-              <a:rPr lang="en-US" sz="2400" dirty="0"/>
-              <a:t>, manage and </a:t>
-            </a:r>
-            <a:r>
-              <a:rPr lang="en-US" sz="2400" dirty="0" smtClean="0"/>
-              <a:t>store </a:t>
-            </a:r>
-            <a:r>
-              <a:rPr lang="en-US" sz="2400" dirty="0"/>
-              <a:t>content </a:t>
-            </a:r>
-            <a:r>
-              <a:rPr lang="en-US" sz="2400" dirty="0" smtClean="0"/>
-              <a:t>on </a:t>
-            </a:r>
-            <a:r>
-              <a:rPr lang="en-US" sz="2400" dirty="0"/>
-              <a:t>Web </a:t>
-            </a:r>
-            <a:r>
-              <a:rPr lang="en-US" sz="2400" dirty="0" smtClean="0"/>
-              <a:t>pages</a:t>
+              <a:t> Content Management System- It is a bundled or stand-alone application to   create,    				       deploy, manage and store content on Web pages</a:t>
             </a:r>
           </a:p>
           <a:p>
@@ -11817,7 +11979,7 @@
               <a:buChar char="q"/>
             </a:pPr>
             <a:r>
-              <a:rPr lang="en-US" sz="2400" dirty="0" smtClean="0"/>
+              <a:rPr lang="en-US" sz="2400" dirty="0"/>
               <a:t> Search Redirection Attack- Hackers will compromise the website and will force the 				website into malicious malware distribution</a:t>
             </a:r>
           </a:p>
@@ -11834,36 +11996,16 @@
               <a:buChar char="q"/>
             </a:pPr>
             <a:r>
-              <a:rPr lang="en-US" sz="2400" dirty="0" smtClean="0"/>
-              <a:t> Composite Importance </a:t>
-            </a:r>
-            <a:r>
               <a:rPr lang="en-US" sz="2400" dirty="0"/>
-              <a:t>(</a:t>
-            </a:r>
-            <a:r>
-              <a:rPr lang="en-US" sz="2400" dirty="0" err="1" smtClean="0"/>
+              <a:t> Composite Importance (</a:t>
+            </a:r>
+            <a:r>
+              <a:rPr lang="en-US" sz="2400" dirty="0" err="1"/>
               <a:t>CompImp</a:t>
             </a:r>
             <a:r>
-              <a:rPr lang="en-US" sz="2400" dirty="0" smtClean="0"/>
-              <a:t>) - Which is an </a:t>
-            </a:r>
-            <a:r>
               <a:rPr lang="en-US" sz="2400" dirty="0"/>
-              <a:t>information-based measure of </a:t>
-            </a:r>
-            <a:r>
-              <a:rPr lang="en-US" sz="2400" dirty="0" smtClean="0"/>
-              <a:t>					    how important </a:t>
-            </a:r>
-            <a:r>
-              <a:rPr lang="en-US" sz="2400" dirty="0"/>
-              <a:t>the </a:t>
-            </a:r>
-            <a:r>
-              <a:rPr lang="en-US" sz="2400" dirty="0" smtClean="0"/>
-              <a:t>node is in HTML style tree</a:t>
+              <a:t>) - Which is an information-based measure of 					    how important the node is in HTML style tree</a:t>
             </a:r>
           </a:p>
           <a:p>
@@ -11872,11 +12014,7 @@
             </a:pPr>
             <a:r>
               <a:rPr lang="en-US" sz="2400" dirty="0"/>
-              <a:t>	 </a:t>
-            </a:r>
-            <a:r>
-              <a:rPr lang="en-US" sz="2400" dirty="0" smtClean="0"/>
-              <a:t>   Values closer to 1 means that node is unique to   	    all the pages in the website</a:t>
+              <a:t>	    Values closer to 1 means that node is unique to   	    all the pages in the website</a:t>
             </a:r>
           </a:p>
           <a:p>
@@ -11898,13 +12036,6 @@
   <p:clrMapOvr>
     <a:masterClrMapping/>
   </p:clrMapOvr>
-  <p:timing>
-    <p:tnLst>
-      <p:par>
-        <p:cTn id="1" dur="indefinite" restart="never" nodeType="tmRoot"/>
-      </p:par>
-    </p:tnLst>
-  </p:timing>
 </p:sld>
 </file>
 
@@ -11941,10 +12072,9 @@
           <a:lstStyle/>
           <a:p>
             <a:r>
-              <a:rPr lang="en-US" b="1" u="sng" dirty="0" smtClean="0"/>
+              <a:rPr lang="en-US" b="1" u="sng" dirty="0"/>
               <a:t>End Host Malware vs Webserver Malware</a:t>
             </a:r>
-            <a:endParaRPr lang="en-US" b="1" u="sng" dirty="0"/>
           </a:p>
         </p:txBody>
       </p:sp>
@@ -11970,16 +12100,8 @@
               <a:buChar char="§"/>
             </a:pPr>
             <a:r>
-              <a:rPr lang="en-US" sz="2400" dirty="0" smtClean="0"/>
-              <a:t>End Host- </a:t>
-            </a:r>
-            <a:r>
               <a:rPr lang="en-US" sz="2400" dirty="0"/>
-              <a:t>A</a:t>
-            </a:r>
-            <a:r>
-              <a:rPr lang="en-US" sz="2400" dirty="0" smtClean="0"/>
-              <a:t>ttacker to take over the victim’s computer for a variety of purposes</a:t>
+              <a:t>End Host- Attacker to take over the victim’s computer for a variety of purposes</a:t>
             </a:r>
           </a:p>
           <a:p>
@@ -11988,7 +12110,7 @@
               <a:buChar char="§"/>
             </a:pPr>
             <a:r>
-              <a:rPr lang="en-US" sz="2400" dirty="0" smtClean="0"/>
+              <a:rPr lang="en-US" sz="2400" dirty="0"/>
               <a:t>Webserver- Instead of targeting arbitrary hosts for compromise, the attacker 		            attempts to inject code on machines running web servers</a:t>
             </a:r>
           </a:p>
@@ -11996,17 +12118,17 @@
             <a:pPr marL="0" indent="0">
               <a:buNone/>
             </a:pPr>
-            <a:endParaRPr lang="en-US" sz="2400" dirty="0" smtClean="0"/>
-          </a:p>
-          <a:p>
-            <a:r>
-              <a:rPr lang="en-US" sz="2400" dirty="0" smtClean="0"/>
+            <a:endParaRPr lang="en-US" sz="2400" dirty="0"/>
+          </a:p>
+          <a:p>
+            <a:r>
+              <a:rPr lang="en-US" sz="2400" dirty="0"/>
               <a:t>Exploits outdated or unpatched versions of popular CMS</a:t>
             </a:r>
           </a:p>
           <a:p>
             <a:r>
-              <a:rPr lang="en-US" sz="2400" dirty="0" smtClean="0"/>
+              <a:rPr lang="en-US" sz="2400" dirty="0"/>
               <a:t>Participate in search-engine poisoning or redirection campaigns promoting questionable services or to act as a delivery server for malware</a:t>
             </a:r>
           </a:p>
@@ -12025,13 +12147,6 @@
   <p:clrMapOvr>
     <a:masterClrMapping/>
   </p:clrMapOvr>
-  <p:timing>
-    <p:tnLst>
-      <p:par>
-        <p:cTn id="1" dur="indefinite" restart="never" nodeType="tmRoot"/>
-      </p:par>
-    </p:tnLst>
-  </p:timing>
 </p:sld>
 </file>
 
@@ -12068,10 +12183,9 @@
           <a:lstStyle/>
           <a:p>
             <a:r>
-              <a:rPr lang="en-US" b="1" u="sng" dirty="0" smtClean="0"/>
+              <a:rPr lang="en-US" b="1" u="sng" dirty="0"/>
               <a:t>Motivation Behind The Research</a:t>
             </a:r>
-            <a:endParaRPr lang="en-US" b="1" u="sng" dirty="0"/>
           </a:p>
         </p:txBody>
       </p:sp>
@@ -12095,7 +12209,7 @@
               <a:buChar char="§"/>
             </a:pPr>
             <a:r>
-              <a:rPr lang="en-US" dirty="0" smtClean="0"/>
+              <a:rPr lang="en-US" dirty="0"/>
               <a:t> Search engines, that need to be able to assess whether or not they are linking to potentially risky contents</a:t>
             </a:r>
           </a:p>
@@ -12105,7 +12219,7 @@
               <a:buChar char="§"/>
             </a:pPr>
             <a:r>
-              <a:rPr lang="en-US" dirty="0" smtClean="0"/>
+              <a:rPr lang="en-US" dirty="0"/>
               <a:t> For blacklist operators, who can obtain ahead of time a list of sites   to keep an eye on</a:t>
             </a:r>
           </a:p>
@@ -12115,10 +12229,9 @@
               <a:buChar char="§"/>
             </a:pPr>
             <a:r>
-              <a:rPr lang="en-US" dirty="0" smtClean="0"/>
+              <a:rPr lang="en-US" dirty="0"/>
               <a:t> Of course for site operators themselves</a:t>
             </a:r>
-            <a:endParaRPr lang="en-US" dirty="0"/>
           </a:p>
         </p:txBody>
       </p:sp>
@@ -12132,13 +12245,6 @@
   <p:clrMapOvr>
     <a:masterClrMapping/>
   </p:clrMapOvr>
-  <p:timing>
-    <p:tnLst>
-      <p:par>
-        <p:cTn id="1" dur="indefinite" restart="never" nodeType="tmRoot"/>
-      </p:par>
-    </p:tnLst>
-  </p:timing>
 </p:sld>
 </file>
 
@@ -12180,10 +12286,9 @@
           <a:lstStyle/>
           <a:p>
             <a:r>
-              <a:rPr lang="en-US" b="1" u="sng" dirty="0" smtClean="0"/>
+              <a:rPr lang="en-US" b="1" u="sng" dirty="0"/>
               <a:t>CONTENTS </a:t>
             </a:r>
-            <a:endParaRPr lang="en-US" b="1" u="sng" dirty="0"/>
           </a:p>
         </p:txBody>
       </p:sp>
@@ -12214,7 +12319,7 @@
               <a:buChar char="q"/>
             </a:pPr>
             <a:r>
-              <a:rPr lang="en-US" sz="2400" dirty="0" smtClean="0"/>
+              <a:rPr lang="en-US" sz="2400" dirty="0"/>
               <a:t> How the Classifier was build</a:t>
             </a:r>
           </a:p>
@@ -12224,7 +12329,7 @@
               <a:buChar char="§"/>
             </a:pPr>
             <a:r>
-              <a:rPr lang="en-US" dirty="0" smtClean="0"/>
+              <a:rPr lang="en-US" dirty="0"/>
               <a:t>Properties</a:t>
             </a:r>
           </a:p>
@@ -12234,7 +12339,7 @@
               <a:buChar char="§"/>
             </a:pPr>
             <a:r>
-              <a:rPr lang="en-US" dirty="0" smtClean="0"/>
+              <a:rPr lang="en-US" dirty="0"/>
               <a:t>Learning Process</a:t>
             </a:r>
           </a:p>
@@ -12242,7 +12347,7 @@
             <a:pPr marL="457200" lvl="1" indent="0">
               <a:buNone/>
             </a:pPr>
-            <a:endParaRPr lang="en-US" dirty="0" smtClean="0"/>
+            <a:endParaRPr lang="en-US" dirty="0"/>
           </a:p>
           <a:p>
             <a:pPr>
@@ -12250,7 +12355,7 @@
               <a:buChar char="q"/>
             </a:pPr>
             <a:r>
-              <a:rPr lang="en-US" sz="2400" dirty="0" smtClean="0"/>
+              <a:rPr lang="en-US" sz="2400" dirty="0"/>
               <a:t> Describe Evaluation and Methodology used</a:t>
             </a:r>
           </a:p>
@@ -12260,7 +12365,7 @@
               <a:buChar char="§"/>
             </a:pPr>
             <a:r>
-              <a:rPr lang="en-US" dirty="0" smtClean="0"/>
+              <a:rPr lang="en-US" dirty="0"/>
               <a:t>Data Sources</a:t>
             </a:r>
           </a:p>
@@ -12270,7 +12375,7 @@
               <a:buChar char="§"/>
             </a:pPr>
             <a:r>
-              <a:rPr lang="en-US" dirty="0" smtClean="0"/>
+              <a:rPr lang="en-US" dirty="0"/>
               <a:t>Filtering</a:t>
             </a:r>
           </a:p>
@@ -12280,7 +12385,7 @@
               <a:buChar char="§"/>
             </a:pPr>
             <a:r>
-              <a:rPr lang="en-US" dirty="0" smtClean="0"/>
+              <a:rPr lang="en-US" dirty="0"/>
               <a:t>Feature Extraction</a:t>
             </a:r>
           </a:p>
@@ -12289,7 +12394,7 @@
               <a:buFont typeface="Wingdings" panose="05000000000000000000" pitchFamily="2" charset="2"/>
               <a:buChar char="§"/>
             </a:pPr>
-            <a:endParaRPr lang="en-US" dirty="0" smtClean="0"/>
+            <a:endParaRPr lang="en-US" dirty="0"/>
           </a:p>
           <a:p>
             <a:pPr>
@@ -12297,7 +12402,7 @@
               <a:buChar char="q"/>
             </a:pPr>
             <a:r>
-              <a:rPr lang="en-US" sz="2400" dirty="0" smtClean="0"/>
+              <a:rPr lang="en-US" sz="2400" dirty="0"/>
               <a:t> Results</a:t>
             </a:r>
           </a:p>
@@ -12305,7 +12410,7 @@
             <a:pPr marL="0" indent="0">
               <a:buNone/>
             </a:pPr>
-            <a:endParaRPr lang="en-US" sz="2400" dirty="0" smtClean="0"/>
+            <a:endParaRPr lang="en-US" sz="2400" dirty="0"/>
           </a:p>
           <a:p>
             <a:pPr>
@@ -12313,10 +12418,9 @@
               <a:buChar char="q"/>
             </a:pPr>
             <a:r>
-              <a:rPr lang="en-US" sz="2400" dirty="0" smtClean="0"/>
+              <a:rPr lang="en-US" sz="2400" dirty="0"/>
               <a:t> Limitation</a:t>
             </a:r>
-            <a:endParaRPr lang="en-US" sz="2400" dirty="0"/>
           </a:p>
         </p:txBody>
       </p:sp>
@@ -12330,13 +12434,6 @@
   <p:clrMapOvr>
     <a:masterClrMapping/>
   </p:clrMapOvr>
-  <p:timing>
-    <p:tnLst>
-      <p:par>
-        <p:cTn id="1" dur="indefinite" restart="never" nodeType="tmRoot"/>
-      </p:par>
-    </p:tnLst>
-  </p:timing>
 </p:sld>
 </file>
 
@@ -12373,10 +12470,9 @@
           <a:lstStyle/>
           <a:p>
             <a:r>
-              <a:rPr lang="en-US" b="1" u="sng" dirty="0" smtClean="0"/>
+              <a:rPr lang="en-US" b="1" u="sng" dirty="0"/>
               <a:t>SYSTEM PROPERTIES</a:t>
             </a:r>
-            <a:endParaRPr lang="en-US" b="1" u="sng" dirty="0"/>
           </a:p>
         </p:txBody>
       </p:sp>
@@ -12407,7 +12503,7 @@
               <a:buChar char="q"/>
             </a:pPr>
             <a:r>
-              <a:rPr lang="en-US" sz="2400" dirty="0" smtClean="0"/>
+              <a:rPr lang="en-US" sz="2400" dirty="0"/>
               <a:t> Efficiency</a:t>
             </a:r>
           </a:p>
@@ -12417,7 +12513,7 @@
               <a:buChar char="§"/>
             </a:pPr>
             <a:r>
-              <a:rPr lang="en-US" dirty="0" smtClean="0"/>
+              <a:rPr lang="en-US" dirty="0"/>
               <a:t>Internet as our dataset</a:t>
             </a:r>
           </a:p>
@@ -12427,7 +12523,7 @@
               <a:buChar char="q"/>
             </a:pPr>
             <a:r>
-              <a:rPr lang="en-US" sz="2400" dirty="0" smtClean="0"/>
+              <a:rPr lang="en-US" sz="2400" dirty="0"/>
               <a:t> Interpretability</a:t>
             </a:r>
           </a:p>
@@ -12438,11 +12534,7 @@
             </a:pPr>
             <a:r>
               <a:rPr lang="en-US" dirty="0"/>
-              <a:t>W</a:t>
-            </a:r>
-            <a:r>
-              <a:rPr lang="en-US" dirty="0" smtClean="0"/>
-              <a:t>hy and how the classifier arrived at the prediction</a:t>
+              <a:t>Why and how the classifier arrived at the prediction</a:t>
             </a:r>
           </a:p>
           <a:p>
@@ -12451,7 +12543,7 @@
               <a:buChar char="q"/>
             </a:pPr>
             <a:r>
-              <a:rPr lang="en-US" sz="2400" dirty="0" smtClean="0"/>
+              <a:rPr lang="en-US" sz="2400" dirty="0"/>
               <a:t> Robustness to Imbalanced Data </a:t>
             </a:r>
           </a:p>
@@ -12461,7 +12553,7 @@
               <a:buChar char="§"/>
             </a:pPr>
             <a:r>
-              <a:rPr lang="en-US" dirty="0" smtClean="0"/>
+              <a:rPr lang="en-US" dirty="0"/>
               <a:t> Far more benign examples than malicious ones - the more imbalanced the datasets, the more learning is impacted</a:t>
             </a:r>
           </a:p>
@@ -12471,7 +12563,7 @@
               <a:buChar char="q"/>
             </a:pPr>
             <a:r>
-              <a:rPr lang="en-US" sz="2400" dirty="0" smtClean="0"/>
+              <a:rPr lang="en-US" sz="2400" dirty="0"/>
               <a:t> Robustness to Mislabeled Data</a:t>
             </a:r>
           </a:p>
@@ -12481,7 +12573,7 @@
               <a:buChar char="§"/>
             </a:pPr>
             <a:r>
-              <a:rPr lang="en-US" dirty="0" smtClean="0"/>
+              <a:rPr lang="en-US" dirty="0"/>
               <a:t>There is little or no information about unpopular websites</a:t>
             </a:r>
           </a:p>
@@ -12491,7 +12583,7 @@
               <a:buChar char="q"/>
             </a:pPr>
             <a:r>
-              <a:rPr lang="en-US" sz="2400" dirty="0" smtClean="0"/>
+              <a:rPr lang="en-US" sz="2400" dirty="0"/>
               <a:t> Adaptive</a:t>
             </a:r>
           </a:p>
@@ -12501,13 +12593,13 @@
               <a:buChar char="§"/>
             </a:pPr>
             <a:r>
-              <a:rPr lang="en-US" dirty="0" smtClean="0"/>
+              <a:rPr lang="en-US" dirty="0"/>
               <a:t>Internet requires constant adaptation </a:t>
             </a:r>
             <a:br>
-              <a:rPr lang="en-US" dirty="0" smtClean="0"/>
+              <a:rPr lang="en-US" dirty="0"/>
             </a:br>
-            <a:endParaRPr lang="en-US" dirty="0" smtClean="0"/>
+            <a:endParaRPr lang="en-US" dirty="0"/>
           </a:p>
         </p:txBody>
       </p:sp>
@@ -12521,13 +12613,6 @@
   <p:clrMapOvr>
     <a:masterClrMapping/>
   </p:clrMapOvr>
-  <p:timing>
-    <p:tnLst>
-      <p:par>
-        <p:cTn id="1" dur="indefinite" restart="never" nodeType="tmRoot"/>
-      </p:par>
-    </p:tnLst>
-  </p:timing>
 </p:sld>
 </file>
 
@@ -12569,10 +12654,9 @@
           <a:lstStyle/>
           <a:p>
             <a:r>
-              <a:rPr lang="en-US" b="1" u="sng" dirty="0" smtClean="0"/>
+              <a:rPr lang="en-US" b="1" u="sng" dirty="0"/>
               <a:t>LEARNING PROCESS</a:t>
             </a:r>
-            <a:endParaRPr lang="en-US" b="1" u="sng" dirty="0"/>
           </a:p>
         </p:txBody>
       </p:sp>
@@ -12636,7 +12720,7 @@
               <a:buChar char="q"/>
             </a:pPr>
             <a:r>
-              <a:rPr lang="en-US" sz="2400" dirty="0" smtClean="0"/>
+              <a:rPr lang="en-US" sz="2400" dirty="0"/>
               <a:t>Lack Of Knowledge Of The Future</a:t>
             </a:r>
           </a:p>
@@ -12646,14 +12730,14 @@
               <a:buChar char="§"/>
             </a:pPr>
             <a:r>
-              <a:rPr lang="en-US" sz="2400" dirty="0" smtClean="0"/>
+              <a:rPr lang="en-US" sz="2400" dirty="0"/>
               <a:t>Problems in present to predict future</a:t>
             </a:r>
           </a:p>
           <a:p>
             <a:pPr lvl="1"/>
             <a:r>
-              <a:rPr lang="en-US" sz="2400" dirty="0" smtClean="0"/>
+              <a:rPr lang="en-US" sz="2400" dirty="0"/>
               <a:t>How to decide the value of h</a:t>
             </a:r>
           </a:p>
@@ -12663,20 +12747,19 @@
               <a:buChar char="§"/>
             </a:pPr>
             <a:r>
-              <a:rPr lang="en-US" sz="2400" dirty="0" smtClean="0"/>
+              <a:rPr lang="en-US" sz="2400" dirty="0"/>
               <a:t> Solution</a:t>
             </a:r>
           </a:p>
           <a:p>
             <a:pPr lvl="1"/>
             <a:r>
-              <a:rPr lang="en-US" sz="2400" dirty="0" smtClean="0"/>
+              <a:rPr lang="en-US" sz="2400" dirty="0"/>
               <a:t>Using past features of the website and comparing it with the present to see if it has become malicious or not</a:t>
             </a:r>
+          </a:p>
+          <a:p>
             <a:endParaRPr lang="en-US" sz="2400" dirty="0"/>
-          </a:p>
-          <a:p>
-            <a:endParaRPr lang="en-US" sz="2400" dirty="0" smtClean="0"/>
           </a:p>
         </p:txBody>
       </p:sp>
@@ -12707,7 +12790,7 @@
               <a:buChar char="q"/>
             </a:pPr>
             <a:r>
-              <a:rPr lang="en-US" sz="2400" dirty="0" smtClean="0"/>
+              <a:rPr lang="en-US" sz="2400" dirty="0"/>
               <a:t>List Of Features used :</a:t>
             </a:r>
           </a:p>
@@ -12717,14 +12800,14 @@
               <a:buChar char="§"/>
             </a:pPr>
             <a:r>
-              <a:rPr lang="en-US" sz="2400" dirty="0" smtClean="0"/>
+              <a:rPr lang="en-US" sz="2400" dirty="0"/>
               <a:t>Traffic Statistics : Sudden change in the popularity - Redirection Attack? – Stats 			         available on alexa.com/</a:t>
             </a:r>
             <a:r>
-              <a:rPr lang="en-US" sz="2400" dirty="0" err="1" smtClean="0"/>
+              <a:rPr lang="en-US" sz="2400" dirty="0" err="1"/>
               <a:t>topsites</a:t>
             </a:r>
-            <a:endParaRPr lang="en-US" sz="2400" dirty="0" smtClean="0"/>
+            <a:endParaRPr lang="en-US" sz="2400" dirty="0"/>
           </a:p>
           <a:p>
             <a:pPr marL="285750" indent="-285750">
@@ -12732,7 +12815,7 @@
               <a:buChar char="§"/>
             </a:pPr>
             <a:r>
-              <a:rPr lang="en-US" sz="2400" dirty="0" smtClean="0"/>
+              <a:rPr lang="en-US" sz="2400" dirty="0"/>
               <a:t>Filesystem Structure : Directory hierarchy - Certain files  </a:t>
             </a:r>
           </a:p>
@@ -12742,7 +12825,7 @@
               <a:buChar char="§"/>
             </a:pPr>
             <a:r>
-              <a:rPr lang="en-US" sz="2400" dirty="0" smtClean="0"/>
+              <a:rPr lang="en-US" sz="2400" dirty="0"/>
               <a:t>Webpage Content : Type of CMS used – Filtering out the template </a:t>
             </a:r>
           </a:p>
@@ -12761,13 +12844,6 @@
   <p:clrMapOvr>
     <a:masterClrMapping/>
   </p:clrMapOvr>
-  <p:timing>
-    <p:tnLst>
-      <p:par>
-        <p:cTn id="1" dur="indefinite" restart="never" nodeType="tmRoot"/>
-      </p:par>
-    </p:tnLst>
-  </p:timing>
 </p:sld>
 </file>
 
@@ -12804,10 +12880,9 @@
           <a:lstStyle/>
           <a:p>
             <a:r>
-              <a:rPr lang="en-US" b="1" u="sng" dirty="0" smtClean="0"/>
+              <a:rPr lang="en-US" b="1" u="sng" dirty="0"/>
               <a:t>SYSTEM DESIGN</a:t>
             </a:r>
-            <a:endParaRPr lang="en-US" b="1" u="sng" dirty="0"/>
           </a:p>
         </p:txBody>
       </p:sp>
@@ -12851,10 +12926,9 @@
           <a:p>
             <a:pPr algn="ctr"/>
             <a:r>
-              <a:rPr lang="en-US" dirty="0" smtClean="0"/>
+              <a:rPr lang="en-US" dirty="0"/>
               <a:t>Blacklist</a:t>
             </a:r>
-            <a:endParaRPr lang="en-US" dirty="0"/>
           </a:p>
         </p:txBody>
       </p:sp>
@@ -12898,10 +12972,9 @@
           <a:p>
             <a:pPr algn="ctr"/>
             <a:r>
-              <a:rPr lang="en-US" dirty="0" smtClean="0"/>
+              <a:rPr lang="en-US" dirty="0"/>
               <a:t>Zone Files</a:t>
             </a:r>
-            <a:endParaRPr lang="en-US" dirty="0"/>
           </a:p>
         </p:txBody>
       </p:sp>
@@ -12945,10 +13018,9 @@
           <a:p>
             <a:pPr algn="ctr"/>
             <a:r>
-              <a:rPr lang="en-US" dirty="0" smtClean="0"/>
+              <a:rPr lang="en-US" dirty="0"/>
               <a:t>Safe Sites</a:t>
             </a:r>
-            <a:endParaRPr lang="en-US" dirty="0"/>
           </a:p>
         </p:txBody>
       </p:sp>
@@ -12992,10 +13064,9 @@
           <a:p>
             <a:pPr algn="ctr"/>
             <a:r>
-              <a:rPr lang="en-US" dirty="0" smtClean="0"/>
+              <a:rPr lang="en-US" dirty="0"/>
               <a:t>Malicious Sites</a:t>
             </a:r>
-            <a:endParaRPr lang="en-US" dirty="0"/>
           </a:p>
         </p:txBody>
       </p:sp>
@@ -13039,10 +13110,9 @@
           <a:p>
             <a:pPr algn="ctr"/>
             <a:r>
-              <a:rPr lang="en-US" dirty="0" smtClean="0"/>
+              <a:rPr lang="en-US" dirty="0"/>
               <a:t>Archive.org</a:t>
             </a:r>
-            <a:endParaRPr lang="en-US" dirty="0"/>
           </a:p>
         </p:txBody>
       </p:sp>
@@ -13086,10 +13156,9 @@
           <a:p>
             <a:pPr algn="ctr"/>
             <a:r>
-              <a:rPr lang="en-US" dirty="0" smtClean="0"/>
+              <a:rPr lang="en-US" dirty="0"/>
               <a:t>Template Filter</a:t>
             </a:r>
-            <a:endParaRPr lang="en-US" dirty="0"/>
           </a:p>
         </p:txBody>
       </p:sp>
@@ -13133,10 +13202,9 @@
           <a:p>
             <a:pPr algn="ctr"/>
             <a:r>
-              <a:rPr lang="en-US" dirty="0" smtClean="0"/>
+              <a:rPr lang="en-US" dirty="0"/>
               <a:t>Stream Classifier</a:t>
             </a:r>
-            <a:endParaRPr lang="en-US" dirty="0"/>
           </a:p>
         </p:txBody>
       </p:sp>
@@ -13180,10 +13248,9 @@
           <a:p>
             <a:pPr algn="ctr"/>
             <a:r>
-              <a:rPr lang="en-US" dirty="0" smtClean="0"/>
+              <a:rPr lang="en-US" dirty="0"/>
               <a:t>Feature Extraction</a:t>
             </a:r>
-            <a:endParaRPr lang="en-US" dirty="0"/>
           </a:p>
         </p:txBody>
       </p:sp>
@@ -13227,10 +13294,9 @@
           <a:p>
             <a:pPr algn="ctr"/>
             <a:r>
-              <a:rPr lang="en-US" dirty="0" smtClean="0"/>
+              <a:rPr lang="en-US" dirty="0"/>
               <a:t>Alexa.com</a:t>
             </a:r>
-            <a:endParaRPr lang="en-US" dirty="0"/>
           </a:p>
         </p:txBody>
       </p:sp>
@@ -13568,13 +13634,6 @@
   <p:clrMapOvr>
     <a:masterClrMapping/>
   </p:clrMapOvr>
-  <p:timing>
-    <p:tnLst>
-      <p:par>
-        <p:cTn id="1" dur="indefinite" restart="never" nodeType="tmRoot"/>
-      </p:par>
-    </p:tnLst>
-  </p:timing>
 </p:sld>
 </file>
 
